--- a/Documents/SystemDiagram.pptx
+++ b/Documents/SystemDiagram.pptx
@@ -104,6 +104,11 @@
       </a:defRPr>
     </a:lvl9pPr>
   </p:defaultTextStyle>
+  <p:extLst>
+    <p:ext uri="{EFAFB233-063F-42B5-8137-9DF3F51BA10A}">
+      <p15:sldGuideLst xmlns:p15="http://schemas.microsoft.com/office/powerpoint/2012/main"/>
+    </p:ext>
+  </p:extLst>
 </p:presentation>
 </file>
 
@@ -254,7 +259,7 @@
           <a:p>
             <a:fld id="{AA60C478-6A22-4027-850B-07F0CA9E255D}" type="datetimeFigureOut">
               <a:rPr lang="en-US" smtClean="0"/>
-              <a:t>8/29/2020</a:t>
+              <a:t>8/30/2020</a:t>
             </a:fld>
             <a:endParaRPr lang="en-US"/>
           </a:p>
@@ -452,7 +457,7 @@
           <a:p>
             <a:fld id="{AA60C478-6A22-4027-850B-07F0CA9E255D}" type="datetimeFigureOut">
               <a:rPr lang="en-US" smtClean="0"/>
-              <a:t>8/29/2020</a:t>
+              <a:t>8/30/2020</a:t>
             </a:fld>
             <a:endParaRPr lang="en-US"/>
           </a:p>
@@ -660,7 +665,7 @@
           <a:p>
             <a:fld id="{AA60C478-6A22-4027-850B-07F0CA9E255D}" type="datetimeFigureOut">
               <a:rPr lang="en-US" smtClean="0"/>
-              <a:t>8/29/2020</a:t>
+              <a:t>8/30/2020</a:t>
             </a:fld>
             <a:endParaRPr lang="en-US"/>
           </a:p>
@@ -858,7 +863,7 @@
           <a:p>
             <a:fld id="{AA60C478-6A22-4027-850B-07F0CA9E255D}" type="datetimeFigureOut">
               <a:rPr lang="en-US" smtClean="0"/>
-              <a:t>8/29/2020</a:t>
+              <a:t>8/30/2020</a:t>
             </a:fld>
             <a:endParaRPr lang="en-US"/>
           </a:p>
@@ -1133,7 +1138,7 @@
           <a:p>
             <a:fld id="{AA60C478-6A22-4027-850B-07F0CA9E255D}" type="datetimeFigureOut">
               <a:rPr lang="en-US" smtClean="0"/>
-              <a:t>8/29/2020</a:t>
+              <a:t>8/30/2020</a:t>
             </a:fld>
             <a:endParaRPr lang="en-US"/>
           </a:p>
@@ -1398,7 +1403,7 @@
           <a:p>
             <a:fld id="{AA60C478-6A22-4027-850B-07F0CA9E255D}" type="datetimeFigureOut">
               <a:rPr lang="en-US" smtClean="0"/>
-              <a:t>8/29/2020</a:t>
+              <a:t>8/30/2020</a:t>
             </a:fld>
             <a:endParaRPr lang="en-US"/>
           </a:p>
@@ -1810,7 +1815,7 @@
           <a:p>
             <a:fld id="{AA60C478-6A22-4027-850B-07F0CA9E255D}" type="datetimeFigureOut">
               <a:rPr lang="en-US" smtClean="0"/>
-              <a:t>8/29/2020</a:t>
+              <a:t>8/30/2020</a:t>
             </a:fld>
             <a:endParaRPr lang="en-US"/>
           </a:p>
@@ -1951,7 +1956,7 @@
           <a:p>
             <a:fld id="{AA60C478-6A22-4027-850B-07F0CA9E255D}" type="datetimeFigureOut">
               <a:rPr lang="en-US" smtClean="0"/>
-              <a:t>8/29/2020</a:t>
+              <a:t>8/30/2020</a:t>
             </a:fld>
             <a:endParaRPr lang="en-US"/>
           </a:p>
@@ -2064,7 +2069,7 @@
           <a:p>
             <a:fld id="{AA60C478-6A22-4027-850B-07F0CA9E255D}" type="datetimeFigureOut">
               <a:rPr lang="en-US" smtClean="0"/>
-              <a:t>8/29/2020</a:t>
+              <a:t>8/30/2020</a:t>
             </a:fld>
             <a:endParaRPr lang="en-US"/>
           </a:p>
@@ -2375,7 +2380,7 @@
           <a:p>
             <a:fld id="{AA60C478-6A22-4027-850B-07F0CA9E255D}" type="datetimeFigureOut">
               <a:rPr lang="en-US" smtClean="0"/>
-              <a:t>8/29/2020</a:t>
+              <a:t>8/30/2020</a:t>
             </a:fld>
             <a:endParaRPr lang="en-US"/>
           </a:p>
@@ -2663,7 +2668,7 @@
           <a:p>
             <a:fld id="{AA60C478-6A22-4027-850B-07F0CA9E255D}" type="datetimeFigureOut">
               <a:rPr lang="en-US" smtClean="0"/>
-              <a:t>8/29/2020</a:t>
+              <a:t>8/30/2020</a:t>
             </a:fld>
             <a:endParaRPr lang="en-US"/>
           </a:p>
@@ -2904,7 +2909,7 @@
           <a:p>
             <a:fld id="{AA60C478-6A22-4027-850B-07F0CA9E255D}" type="datetimeFigureOut">
               <a:rPr lang="en-US" smtClean="0"/>
-              <a:t>8/29/2020</a:t>
+              <a:t>8/30/2020</a:t>
             </a:fld>
             <a:endParaRPr lang="en-US"/>
           </a:p>
@@ -3336,7 +3341,7 @@
         <p:spPr>
           <a:xfrm>
             <a:off x="628190" y="2663641"/>
-            <a:ext cx="4195270" cy="3470459"/>
+            <a:ext cx="4195270" cy="3549941"/>
           </a:xfrm>
           <a:prstGeom prst="rect">
             <a:avLst/>
@@ -4092,8 +4097,8 @@
         </p:nvSpPr>
         <p:spPr>
           <a:xfrm>
-            <a:off x="836977" y="5793469"/>
-            <a:ext cx="710451" cy="246221"/>
+            <a:off x="805717" y="5830524"/>
+            <a:ext cx="772969" cy="400110"/>
           </a:xfrm>
           <a:prstGeom prst="rect">
             <a:avLst/>
@@ -4106,9 +4111,17 @@
           </a:bodyPr>
           <a:lstStyle/>
           <a:p>
+            <a:pPr algn="ctr"/>
             <a:r>
               <a:rPr lang="en-US" sz="1000" dirty="0"/>
-              <a:t>Computer</a:t>
+              <a:t>Windows </a:t>
+            </a:r>
+          </a:p>
+          <a:p>
+            <a:pPr algn="ctr"/>
+            <a:r>
+              <a:rPr lang="en-US" sz="1000" dirty="0"/>
+              <a:t>Application</a:t>
             </a:r>
           </a:p>
         </p:txBody>
@@ -4687,41 +4700,6 @@
           </a:prstGeom>
         </p:spPr>
       </p:pic>
-      <p:sp>
-        <p:nvSpPr>
-          <p:cNvPr id="111" name="TextBox 110">
-            <a:extLst>
-              <a:ext uri="{FF2B5EF4-FFF2-40B4-BE49-F238E27FC236}">
-                <a16:creationId xmlns:a16="http://schemas.microsoft.com/office/drawing/2014/main" id="{E8648965-CAD6-45E2-8A19-4FA4ED00E694}"/>
-              </a:ext>
-            </a:extLst>
-          </p:cNvPr>
-          <p:cNvSpPr txBox="1"/>
-          <p:nvPr/>
-        </p:nvSpPr>
-        <p:spPr>
-          <a:xfrm>
-            <a:off x="7026806" y="5910452"/>
-            <a:ext cx="710451" cy="246221"/>
-          </a:xfrm>
-          <a:prstGeom prst="rect">
-            <a:avLst/>
-          </a:prstGeom>
-          <a:noFill/>
-        </p:spPr>
-        <p:txBody>
-          <a:bodyPr wrap="none" rtlCol="0">
-            <a:spAutoFit/>
-          </a:bodyPr>
-          <a:lstStyle/>
-          <a:p>
-            <a:r>
-              <a:rPr lang="en-US" sz="1000" dirty="0"/>
-              <a:t>Computer</a:t>
-            </a:r>
-          </a:p>
-        </p:txBody>
-      </p:sp>
       <p:pic>
         <p:nvPicPr>
           <p:cNvPr id="115" name="Picture 114">
@@ -6303,6 +6281,49 @@
             <a:r>
               <a:rPr lang="en-US" sz="1000" dirty="0"/>
               <a:t>Database Server</a:t>
+            </a:r>
+          </a:p>
+        </p:txBody>
+      </p:sp>
+      <p:sp>
+        <p:nvSpPr>
+          <p:cNvPr id="2" name="TextBox 1">
+            <a:extLst>
+              <a:ext uri="{FF2B5EF4-FFF2-40B4-BE49-F238E27FC236}">
+                <a16:creationId xmlns:a16="http://schemas.microsoft.com/office/drawing/2014/main" id="{BBD3D491-F07E-441C-B95F-A2BAA2754914}"/>
+              </a:ext>
+            </a:extLst>
+          </p:cNvPr>
+          <p:cNvSpPr txBox="1"/>
+          <p:nvPr/>
+        </p:nvSpPr>
+        <p:spPr>
+          <a:xfrm>
+            <a:off x="7031462" y="5938157"/>
+            <a:ext cx="772969" cy="400110"/>
+          </a:xfrm>
+          <a:prstGeom prst="rect">
+            <a:avLst/>
+          </a:prstGeom>
+          <a:noFill/>
+        </p:spPr>
+        <p:txBody>
+          <a:bodyPr wrap="none" rtlCol="0">
+            <a:spAutoFit/>
+          </a:bodyPr>
+          <a:lstStyle/>
+          <a:p>
+            <a:pPr algn="ctr"/>
+            <a:r>
+              <a:rPr lang="en-US" sz="1000" dirty="0"/>
+              <a:t>Windows </a:t>
+            </a:r>
+          </a:p>
+          <a:p>
+            <a:pPr algn="ctr"/>
+            <a:r>
+              <a:rPr lang="en-US" sz="1000" dirty="0"/>
+              <a:t>Application</a:t>
             </a:r>
           </a:p>
         </p:txBody>

--- a/Documents/SystemDiagram.pptx
+++ b/Documents/SystemDiagram.pptx
@@ -259,7 +259,7 @@
           <a:p>
             <a:fld id="{AA60C478-6A22-4027-850B-07F0CA9E255D}" type="datetimeFigureOut">
               <a:rPr lang="en-US" smtClean="0"/>
-              <a:t>8/30/2020</a:t>
+              <a:t>8/31/2020</a:t>
             </a:fld>
             <a:endParaRPr lang="en-US"/>
           </a:p>
@@ -457,7 +457,7 @@
           <a:p>
             <a:fld id="{AA60C478-6A22-4027-850B-07F0CA9E255D}" type="datetimeFigureOut">
               <a:rPr lang="en-US" smtClean="0"/>
-              <a:t>8/30/2020</a:t>
+              <a:t>8/31/2020</a:t>
             </a:fld>
             <a:endParaRPr lang="en-US"/>
           </a:p>
@@ -665,7 +665,7 @@
           <a:p>
             <a:fld id="{AA60C478-6A22-4027-850B-07F0CA9E255D}" type="datetimeFigureOut">
               <a:rPr lang="en-US" smtClean="0"/>
-              <a:t>8/30/2020</a:t>
+              <a:t>8/31/2020</a:t>
             </a:fld>
             <a:endParaRPr lang="en-US"/>
           </a:p>
@@ -863,7 +863,7 @@
           <a:p>
             <a:fld id="{AA60C478-6A22-4027-850B-07F0CA9E255D}" type="datetimeFigureOut">
               <a:rPr lang="en-US" smtClean="0"/>
-              <a:t>8/30/2020</a:t>
+              <a:t>8/31/2020</a:t>
             </a:fld>
             <a:endParaRPr lang="en-US"/>
           </a:p>
@@ -1138,7 +1138,7 @@
           <a:p>
             <a:fld id="{AA60C478-6A22-4027-850B-07F0CA9E255D}" type="datetimeFigureOut">
               <a:rPr lang="en-US" smtClean="0"/>
-              <a:t>8/30/2020</a:t>
+              <a:t>8/31/2020</a:t>
             </a:fld>
             <a:endParaRPr lang="en-US"/>
           </a:p>
@@ -1403,7 +1403,7 @@
           <a:p>
             <a:fld id="{AA60C478-6A22-4027-850B-07F0CA9E255D}" type="datetimeFigureOut">
               <a:rPr lang="en-US" smtClean="0"/>
-              <a:t>8/30/2020</a:t>
+              <a:t>8/31/2020</a:t>
             </a:fld>
             <a:endParaRPr lang="en-US"/>
           </a:p>
@@ -1815,7 +1815,7 @@
           <a:p>
             <a:fld id="{AA60C478-6A22-4027-850B-07F0CA9E255D}" type="datetimeFigureOut">
               <a:rPr lang="en-US" smtClean="0"/>
-              <a:t>8/30/2020</a:t>
+              <a:t>8/31/2020</a:t>
             </a:fld>
             <a:endParaRPr lang="en-US"/>
           </a:p>
@@ -1956,7 +1956,7 @@
           <a:p>
             <a:fld id="{AA60C478-6A22-4027-850B-07F0CA9E255D}" type="datetimeFigureOut">
               <a:rPr lang="en-US" smtClean="0"/>
-              <a:t>8/30/2020</a:t>
+              <a:t>8/31/2020</a:t>
             </a:fld>
             <a:endParaRPr lang="en-US"/>
           </a:p>
@@ -2069,7 +2069,7 @@
           <a:p>
             <a:fld id="{AA60C478-6A22-4027-850B-07F0CA9E255D}" type="datetimeFigureOut">
               <a:rPr lang="en-US" smtClean="0"/>
-              <a:t>8/30/2020</a:t>
+              <a:t>8/31/2020</a:t>
             </a:fld>
             <a:endParaRPr lang="en-US"/>
           </a:p>
@@ -2380,7 +2380,7 @@
           <a:p>
             <a:fld id="{AA60C478-6A22-4027-850B-07F0CA9E255D}" type="datetimeFigureOut">
               <a:rPr lang="en-US" smtClean="0"/>
-              <a:t>8/30/2020</a:t>
+              <a:t>8/31/2020</a:t>
             </a:fld>
             <a:endParaRPr lang="en-US"/>
           </a:p>
@@ -2668,7 +2668,7 @@
           <a:p>
             <a:fld id="{AA60C478-6A22-4027-850B-07F0CA9E255D}" type="datetimeFigureOut">
               <a:rPr lang="en-US" smtClean="0"/>
-              <a:t>8/30/2020</a:t>
+              <a:t>8/31/2020</a:t>
             </a:fld>
             <a:endParaRPr lang="en-US"/>
           </a:p>
@@ -2909,7 +2909,7 @@
           <a:p>
             <a:fld id="{AA60C478-6A22-4027-850B-07F0CA9E255D}" type="datetimeFigureOut">
               <a:rPr lang="en-US" smtClean="0"/>
-              <a:t>8/30/2020</a:t>
+              <a:t>8/31/2020</a:t>
             </a:fld>
             <a:endParaRPr lang="en-US"/>
           </a:p>
@@ -4334,36 +4334,6 @@
           </a:p>
         </p:txBody>
       </p:sp>
-      <p:pic>
-        <p:nvPicPr>
-          <p:cNvPr id="97" name="Picture 96">
-            <a:extLst>
-              <a:ext uri="{FF2B5EF4-FFF2-40B4-BE49-F238E27FC236}">
-                <a16:creationId xmlns:a16="http://schemas.microsoft.com/office/drawing/2014/main" id="{575F95C6-F5AA-41C8-B526-5B299ADC9BE5}"/>
-              </a:ext>
-            </a:extLst>
-          </p:cNvPr>
-          <p:cNvPicPr>
-            <a:picLocks noChangeAspect="1"/>
-          </p:cNvPicPr>
-          <p:nvPr/>
-        </p:nvPicPr>
-        <p:blipFill>
-          <a:blip r:embed="rId12"/>
-          <a:stretch>
-            <a:fillRect/>
-          </a:stretch>
-        </p:blipFill>
-        <p:spPr>
-          <a:xfrm>
-            <a:off x="824163" y="2778577"/>
-            <a:ext cx="1182563" cy="222802"/>
-          </a:xfrm>
-          <a:prstGeom prst="rect">
-            <a:avLst/>
-          </a:prstGeom>
-        </p:spPr>
-      </p:pic>
       <p:sp>
         <p:nvSpPr>
           <p:cNvPr id="101" name="Freeform: Shape 100">
@@ -4644,8 +4614,8 @@
         </p:nvSpPr>
         <p:spPr>
           <a:xfrm>
-            <a:off x="928247" y="2988940"/>
-            <a:ext cx="974394" cy="246221"/>
+            <a:off x="896749" y="3139067"/>
+            <a:ext cx="1058033" cy="400110"/>
           </a:xfrm>
           <a:prstGeom prst="rect">
             <a:avLst/>
@@ -4658,9 +4628,10 @@
           </a:bodyPr>
           <a:lstStyle/>
           <a:p>
+            <a:pPr algn="ctr"/>
             <a:r>
               <a:rPr lang="en-US" sz="1000" dirty="0"/>
-              <a:t>Shunt Resistor</a:t>
+              <a:t>Current Sense Resistors</a:t>
             </a:r>
           </a:p>
         </p:txBody>
@@ -5079,7 +5050,7 @@
           <p:nvPr/>
         </p:nvPicPr>
         <p:blipFill rotWithShape="1">
-          <a:blip r:embed="rId13">
+          <a:blip r:embed="rId12">
             <a:extLst>
               <a:ext uri="{28A0092B-C50C-407E-A947-70E740481C1C}">
                 <a14:useLocalDpi xmlns:a14="http://schemas.microsoft.com/office/drawing/2010/main" val="0"/>
@@ -5286,7 +5257,7 @@
           <p:nvPr/>
         </p:nvPicPr>
         <p:blipFill rotWithShape="1">
-          <a:blip r:embed="rId14">
+          <a:blip r:embed="rId13">
             <a:extLst>
               <a:ext uri="{28A0092B-C50C-407E-A947-70E740481C1C}">
                 <a14:useLocalDpi xmlns:a14="http://schemas.microsoft.com/office/drawing/2010/main" val="0"/>
@@ -5321,7 +5292,7 @@
           <p:nvPr/>
         </p:nvPicPr>
         <p:blipFill>
-          <a:blip r:embed="rId15">
+          <a:blip r:embed="rId14">
             <a:extLst>
               <a:ext uri="{28A0092B-C50C-407E-A947-70E740481C1C}">
                 <a14:useLocalDpi xmlns:a14="http://schemas.microsoft.com/office/drawing/2010/main" val="0"/>
@@ -5479,7 +5450,7 @@
           <p:nvPr/>
         </p:nvPicPr>
         <p:blipFill rotWithShape="1">
-          <a:blip r:embed="rId16">
+          <a:blip r:embed="rId15">
             <a:extLst>
               <a:ext uri="{28A0092B-C50C-407E-A947-70E740481C1C}">
                 <a14:useLocalDpi xmlns:a14="http://schemas.microsoft.com/office/drawing/2010/main" val="0"/>
@@ -5636,7 +5607,7 @@
           <p:nvPr/>
         </p:nvPicPr>
         <p:blipFill rotWithShape="1">
-          <a:blip r:embed="rId14">
+          <a:blip r:embed="rId13">
             <a:extLst>
               <a:ext uri="{28A0092B-C50C-407E-A947-70E740481C1C}">
                 <a14:useLocalDpi xmlns:a14="http://schemas.microsoft.com/office/drawing/2010/main" val="0"/>
@@ -5671,7 +5642,7 @@
           <p:nvPr/>
         </p:nvPicPr>
         <p:blipFill>
-          <a:blip r:embed="rId17">
+          <a:blip r:embed="rId16">
             <a:extLst>
               <a:ext uri="{28A0092B-C50C-407E-A947-70E740481C1C}">
                 <a14:useLocalDpi xmlns:a14="http://schemas.microsoft.com/office/drawing/2010/main" val="0"/>
@@ -5830,7 +5801,7 @@
           <p:nvPr/>
         </p:nvPicPr>
         <p:blipFill>
-          <a:blip r:embed="rId18">
+          <a:blip r:embed="rId17">
             <a:extLst>
               <a:ext uri="{28A0092B-C50C-407E-A947-70E740481C1C}">
                 <a14:useLocalDpi xmlns:a14="http://schemas.microsoft.com/office/drawing/2010/main" val="0"/>
@@ -5988,7 +5959,7 @@
           <p:nvPr/>
         </p:nvPicPr>
         <p:blipFill rotWithShape="1">
-          <a:blip r:embed="rId19">
+          <a:blip r:embed="rId18">
             <a:extLst>
               <a:ext uri="{28A0092B-C50C-407E-A947-70E740481C1C}">
                 <a14:useLocalDpi xmlns:a14="http://schemas.microsoft.com/office/drawing/2010/main" val="0"/>
@@ -6144,7 +6115,7 @@
           <p:nvPr/>
         </p:nvPicPr>
         <p:blipFill rotWithShape="1">
-          <a:blip r:embed="rId20">
+          <a:blip r:embed="rId19">
             <a:extLst>
               <a:ext uri="{28A0092B-C50C-407E-A947-70E740481C1C}">
                 <a14:useLocalDpi xmlns:a14="http://schemas.microsoft.com/office/drawing/2010/main" val="0"/>
@@ -6328,6 +6299,41 @@
           </a:p>
         </p:txBody>
       </p:sp>
+      <p:pic>
+        <p:nvPicPr>
+          <p:cNvPr id="9" name="Picture 8">
+            <a:extLst>
+              <a:ext uri="{FF2B5EF4-FFF2-40B4-BE49-F238E27FC236}">
+                <a16:creationId xmlns:a16="http://schemas.microsoft.com/office/drawing/2014/main" id="{161F6E34-0CDF-431E-9882-D50CA1C4B603}"/>
+              </a:ext>
+            </a:extLst>
+          </p:cNvPr>
+          <p:cNvPicPr>
+            <a:picLocks noChangeAspect="1"/>
+          </p:cNvPicPr>
+          <p:nvPr/>
+        </p:nvPicPr>
+        <p:blipFill rotWithShape="1">
+          <a:blip r:embed="rId20">
+            <a:extLst>
+              <a:ext uri="{28A0092B-C50C-407E-A947-70E740481C1C}">
+                <a14:useLocalDpi xmlns:a14="http://schemas.microsoft.com/office/drawing/2010/main" val="0"/>
+              </a:ext>
+            </a:extLst>
+          </a:blip>
+          <a:srcRect l="40625" t="32047" r="34361" b="53830"/>
+          <a:stretch/>
+        </p:blipFill>
+        <p:spPr>
+          <a:xfrm>
+            <a:off x="1150126" y="2774548"/>
+            <a:ext cx="544811" cy="410137"/>
+          </a:xfrm>
+          <a:prstGeom prst="rect">
+            <a:avLst/>
+          </a:prstGeom>
+        </p:spPr>
+      </p:pic>
     </p:spTree>
     <p:extLst>
       <p:ext uri="{BB962C8B-B14F-4D97-AF65-F5344CB8AC3E}">

--- a/Documents/SystemDiagram.pptx
+++ b/Documents/SystemDiagram.pptx
@@ -259,7 +259,7 @@
           <a:p>
             <a:fld id="{AA60C478-6A22-4027-850B-07F0CA9E255D}" type="datetimeFigureOut">
               <a:rPr lang="en-US" smtClean="0"/>
-              <a:t>8/31/2020</a:t>
+              <a:t>10/19/2020</a:t>
             </a:fld>
             <a:endParaRPr lang="en-US"/>
           </a:p>
@@ -457,7 +457,7 @@
           <a:p>
             <a:fld id="{AA60C478-6A22-4027-850B-07F0CA9E255D}" type="datetimeFigureOut">
               <a:rPr lang="en-US" smtClean="0"/>
-              <a:t>8/31/2020</a:t>
+              <a:t>10/19/2020</a:t>
             </a:fld>
             <a:endParaRPr lang="en-US"/>
           </a:p>
@@ -665,7 +665,7 @@
           <a:p>
             <a:fld id="{AA60C478-6A22-4027-850B-07F0CA9E255D}" type="datetimeFigureOut">
               <a:rPr lang="en-US" smtClean="0"/>
-              <a:t>8/31/2020</a:t>
+              <a:t>10/19/2020</a:t>
             </a:fld>
             <a:endParaRPr lang="en-US"/>
           </a:p>
@@ -863,7 +863,7 @@
           <a:p>
             <a:fld id="{AA60C478-6A22-4027-850B-07F0CA9E255D}" type="datetimeFigureOut">
               <a:rPr lang="en-US" smtClean="0"/>
-              <a:t>8/31/2020</a:t>
+              <a:t>10/19/2020</a:t>
             </a:fld>
             <a:endParaRPr lang="en-US"/>
           </a:p>
@@ -1138,7 +1138,7 @@
           <a:p>
             <a:fld id="{AA60C478-6A22-4027-850B-07F0CA9E255D}" type="datetimeFigureOut">
               <a:rPr lang="en-US" smtClean="0"/>
-              <a:t>8/31/2020</a:t>
+              <a:t>10/19/2020</a:t>
             </a:fld>
             <a:endParaRPr lang="en-US"/>
           </a:p>
@@ -1403,7 +1403,7 @@
           <a:p>
             <a:fld id="{AA60C478-6A22-4027-850B-07F0CA9E255D}" type="datetimeFigureOut">
               <a:rPr lang="en-US" smtClean="0"/>
-              <a:t>8/31/2020</a:t>
+              <a:t>10/19/2020</a:t>
             </a:fld>
             <a:endParaRPr lang="en-US"/>
           </a:p>
@@ -1815,7 +1815,7 @@
           <a:p>
             <a:fld id="{AA60C478-6A22-4027-850B-07F0CA9E255D}" type="datetimeFigureOut">
               <a:rPr lang="en-US" smtClean="0"/>
-              <a:t>8/31/2020</a:t>
+              <a:t>10/19/2020</a:t>
             </a:fld>
             <a:endParaRPr lang="en-US"/>
           </a:p>
@@ -1956,7 +1956,7 @@
           <a:p>
             <a:fld id="{AA60C478-6A22-4027-850B-07F0CA9E255D}" type="datetimeFigureOut">
               <a:rPr lang="en-US" smtClean="0"/>
-              <a:t>8/31/2020</a:t>
+              <a:t>10/19/2020</a:t>
             </a:fld>
             <a:endParaRPr lang="en-US"/>
           </a:p>
@@ -2069,7 +2069,7 @@
           <a:p>
             <a:fld id="{AA60C478-6A22-4027-850B-07F0CA9E255D}" type="datetimeFigureOut">
               <a:rPr lang="en-US" smtClean="0"/>
-              <a:t>8/31/2020</a:t>
+              <a:t>10/19/2020</a:t>
             </a:fld>
             <a:endParaRPr lang="en-US"/>
           </a:p>
@@ -2380,7 +2380,7 @@
           <a:p>
             <a:fld id="{AA60C478-6A22-4027-850B-07F0CA9E255D}" type="datetimeFigureOut">
               <a:rPr lang="en-US" smtClean="0"/>
-              <a:t>8/31/2020</a:t>
+              <a:t>10/19/2020</a:t>
             </a:fld>
             <a:endParaRPr lang="en-US"/>
           </a:p>
@@ -2668,7 +2668,7 @@
           <a:p>
             <a:fld id="{AA60C478-6A22-4027-850B-07F0CA9E255D}" type="datetimeFigureOut">
               <a:rPr lang="en-US" smtClean="0"/>
-              <a:t>8/31/2020</a:t>
+              <a:t>10/19/2020</a:t>
             </a:fld>
             <a:endParaRPr lang="en-US"/>
           </a:p>
@@ -2909,7 +2909,7 @@
           <a:p>
             <a:fld id="{AA60C478-6A22-4027-850B-07F0CA9E255D}" type="datetimeFigureOut">
               <a:rPr lang="en-US" smtClean="0"/>
-              <a:t>8/31/2020</a:t>
+              <a:t>10/19/2020</a:t>
             </a:fld>
             <a:endParaRPr lang="en-US"/>
           </a:p>
@@ -3530,7 +3530,7 @@
         </p:blipFill>
         <p:spPr bwMode="auto">
           <a:xfrm>
-            <a:off x="3506987" y="3679615"/>
+            <a:off x="3506987" y="4344079"/>
             <a:ext cx="1048249" cy="660094"/>
           </a:xfrm>
           <a:prstGeom prst="rect">
@@ -3560,7 +3560,7 @@
         </p:nvSpPr>
         <p:spPr>
           <a:xfrm>
-            <a:off x="3831785" y="4339709"/>
+            <a:off x="3831785" y="5004173"/>
             <a:ext cx="465192" cy="246221"/>
           </a:xfrm>
           <a:prstGeom prst="rect">
@@ -3609,7 +3609,7 @@
         </p:blipFill>
         <p:spPr>
           <a:xfrm>
-            <a:off x="3394079" y="4725033"/>
+            <a:off x="3394079" y="5389497"/>
             <a:ext cx="637032" cy="637032"/>
           </a:xfrm>
           <a:prstGeom prst="rect">
@@ -3645,7 +3645,7 @@
         </p:blipFill>
         <p:spPr>
           <a:xfrm>
-            <a:off x="4085220" y="4773892"/>
+            <a:off x="4085220" y="5438356"/>
             <a:ext cx="588173" cy="588173"/>
           </a:xfrm>
           <a:prstGeom prst="rect">
@@ -3670,7 +3670,7 @@
         </p:nvCxnSpPr>
         <p:spPr>
           <a:xfrm>
-            <a:off x="4379306" y="4339709"/>
+            <a:off x="4379306" y="5004173"/>
             <a:ext cx="1" cy="434183"/>
           </a:xfrm>
           <a:prstGeom prst="straightConnector1">
@@ -3710,7 +3710,7 @@
         </p:nvSpPr>
         <p:spPr>
           <a:xfrm>
-            <a:off x="4239868" y="5315456"/>
+            <a:off x="4239868" y="5979920"/>
             <a:ext cx="487634" cy="246221"/>
           </a:xfrm>
           <a:prstGeom prst="rect">
@@ -3745,7 +3745,7 @@
         </p:nvSpPr>
         <p:spPr>
           <a:xfrm>
-            <a:off x="3526486" y="5315456"/>
+            <a:off x="3526486" y="5979920"/>
             <a:ext cx="372218" cy="246221"/>
           </a:xfrm>
           <a:prstGeom prst="rect">
@@ -4057,7 +4057,7 @@
         </p:nvCxnSpPr>
         <p:spPr>
           <a:xfrm>
-            <a:off x="3712595" y="4339709"/>
+            <a:off x="3712595" y="5004173"/>
             <a:ext cx="0" cy="385324"/>
           </a:xfrm>
           <a:prstGeom prst="straightConnector1">
@@ -4508,100 +4508,6 @@
       </p:sp>
       <p:sp>
         <p:nvSpPr>
-          <p:cNvPr id="103" name="Freeform: Shape 102">
-            <a:extLst>
-              <a:ext uri="{FF2B5EF4-FFF2-40B4-BE49-F238E27FC236}">
-                <a16:creationId xmlns:a16="http://schemas.microsoft.com/office/drawing/2014/main" id="{287BDF8A-D5DA-4BB1-AE06-C88E5D574A94}"/>
-              </a:ext>
-            </a:extLst>
-          </p:cNvPr>
-          <p:cNvSpPr/>
-          <p:nvPr/>
-        </p:nvSpPr>
-        <p:spPr>
-          <a:xfrm>
-            <a:off x="2854960" y="3891209"/>
-            <a:ext cx="619760" cy="66111"/>
-          </a:xfrm>
-          <a:custGeom>
-            <a:avLst/>
-            <a:gdLst>
-              <a:gd name="connsiteX0" fmla="*/ 0 w 619760"/>
-              <a:gd name="connsiteY0" fmla="*/ 55951 h 66111"/>
-              <a:gd name="connsiteX1" fmla="*/ 309880 w 619760"/>
-              <a:gd name="connsiteY1" fmla="*/ 71 h 66111"/>
-              <a:gd name="connsiteX2" fmla="*/ 619760 w 619760"/>
-              <a:gd name="connsiteY2" fmla="*/ 66111 h 66111"/>
-              <a:gd name="connsiteX3" fmla="*/ 619760 w 619760"/>
-              <a:gd name="connsiteY3" fmla="*/ 66111 h 66111"/>
-            </a:gdLst>
-            <a:ahLst/>
-            <a:cxnLst>
-              <a:cxn ang="0">
-                <a:pos x="connsiteX0" y="connsiteY0"/>
-              </a:cxn>
-              <a:cxn ang="0">
-                <a:pos x="connsiteX1" y="connsiteY1"/>
-              </a:cxn>
-              <a:cxn ang="0">
-                <a:pos x="connsiteX2" y="connsiteY2"/>
-              </a:cxn>
-              <a:cxn ang="0">
-                <a:pos x="connsiteX3" y="connsiteY3"/>
-              </a:cxn>
-            </a:cxnLst>
-            <a:rect l="l" t="t" r="r" b="b"/>
-            <a:pathLst>
-              <a:path w="619760" h="66111">
-                <a:moveTo>
-                  <a:pt x="0" y="55951"/>
-                </a:moveTo>
-                <a:cubicBezTo>
-                  <a:pt x="103293" y="27164"/>
-                  <a:pt x="206587" y="-1622"/>
-                  <a:pt x="309880" y="71"/>
-                </a:cubicBezTo>
-                <a:cubicBezTo>
-                  <a:pt x="413173" y="1764"/>
-                  <a:pt x="619760" y="66111"/>
-                  <a:pt x="619760" y="66111"/>
-                </a:cubicBezTo>
-                <a:lnTo>
-                  <a:pt x="619760" y="66111"/>
-                </a:lnTo>
-              </a:path>
-            </a:pathLst>
-          </a:custGeom>
-          <a:ln>
-            <a:headEnd type="none" w="med" len="med"/>
-            <a:tailEnd type="arrow" w="med" len="med"/>
-          </a:ln>
-        </p:spPr>
-        <p:style>
-          <a:lnRef idx="2">
-            <a:schemeClr val="dk1"/>
-          </a:lnRef>
-          <a:fillRef idx="0">
-            <a:schemeClr val="dk1"/>
-          </a:fillRef>
-          <a:effectRef idx="1">
-            <a:schemeClr val="dk1"/>
-          </a:effectRef>
-          <a:fontRef idx="minor">
-            <a:schemeClr val="tx1"/>
-          </a:fontRef>
-        </p:style>
-        <p:txBody>
-          <a:bodyPr rtlCol="0" anchor="ctr"/>
-          <a:lstStyle/>
-          <a:p>
-            <a:pPr algn="ctr"/>
-            <a:endParaRPr lang="en-US"/>
-          </a:p>
-        </p:txBody>
-      </p:sp>
-      <p:sp>
-        <p:nvSpPr>
           <p:cNvPr id="105" name="TextBox 104">
             <a:extLst>
               <a:ext uri="{FF2B5EF4-FFF2-40B4-BE49-F238E27FC236}">
@@ -4928,7 +4834,7 @@
         </p:nvSpPr>
         <p:spPr>
           <a:xfrm>
-            <a:off x="3451790" y="2700559"/>
+            <a:off x="3451790" y="2631979"/>
             <a:ext cx="1482643" cy="307777"/>
           </a:xfrm>
           <a:prstGeom prst="rect">
@@ -6334,6 +6240,708 @@
           </a:prstGeom>
         </p:spPr>
       </p:pic>
+      <p:sp>
+        <p:nvSpPr>
+          <p:cNvPr id="4" name="Freeform: Shape 3">
+            <a:extLst>
+              <a:ext uri="{FF2B5EF4-FFF2-40B4-BE49-F238E27FC236}">
+                <a16:creationId xmlns:a16="http://schemas.microsoft.com/office/drawing/2014/main" id="{0C6B9508-4D5D-40CF-92A3-51C423E77885}"/>
+              </a:ext>
+            </a:extLst>
+          </p:cNvPr>
+          <p:cNvSpPr/>
+          <p:nvPr/>
+        </p:nvSpPr>
+        <p:spPr>
+          <a:xfrm>
+            <a:off x="2859024" y="4255008"/>
+            <a:ext cx="573024" cy="201168"/>
+          </a:xfrm>
+          <a:custGeom>
+            <a:avLst/>
+            <a:gdLst>
+              <a:gd name="connsiteX0" fmla="*/ 0 w 573024"/>
+              <a:gd name="connsiteY0" fmla="*/ 0 h 201168"/>
+              <a:gd name="connsiteX1" fmla="*/ 353568 w 573024"/>
+              <a:gd name="connsiteY1" fmla="*/ 79248 h 201168"/>
+              <a:gd name="connsiteX2" fmla="*/ 573024 w 573024"/>
+              <a:gd name="connsiteY2" fmla="*/ 201168 h 201168"/>
+            </a:gdLst>
+            <a:ahLst/>
+            <a:cxnLst>
+              <a:cxn ang="0">
+                <a:pos x="connsiteX0" y="connsiteY0"/>
+              </a:cxn>
+              <a:cxn ang="0">
+                <a:pos x="connsiteX1" y="connsiteY1"/>
+              </a:cxn>
+              <a:cxn ang="0">
+                <a:pos x="connsiteX2" y="connsiteY2"/>
+              </a:cxn>
+            </a:cxnLst>
+            <a:rect l="l" t="t" r="r" b="b"/>
+            <a:pathLst>
+              <a:path w="573024" h="201168">
+                <a:moveTo>
+                  <a:pt x="0" y="0"/>
+                </a:moveTo>
+                <a:cubicBezTo>
+                  <a:pt x="129032" y="22860"/>
+                  <a:pt x="258064" y="45720"/>
+                  <a:pt x="353568" y="79248"/>
+                </a:cubicBezTo>
+                <a:cubicBezTo>
+                  <a:pt x="449072" y="112776"/>
+                  <a:pt x="511048" y="156972"/>
+                  <a:pt x="573024" y="201168"/>
+                </a:cubicBezTo>
+              </a:path>
+            </a:pathLst>
+          </a:custGeom>
+          <a:ln>
+            <a:headEnd type="none" w="med" len="med"/>
+            <a:tailEnd type="arrow" w="med" len="med"/>
+          </a:ln>
+        </p:spPr>
+        <p:style>
+          <a:lnRef idx="2">
+            <a:schemeClr val="dk1"/>
+          </a:lnRef>
+          <a:fillRef idx="0">
+            <a:schemeClr val="dk1"/>
+          </a:fillRef>
+          <a:effectRef idx="1">
+            <a:schemeClr val="dk1"/>
+          </a:effectRef>
+          <a:fontRef idx="minor">
+            <a:schemeClr val="tx1"/>
+          </a:fontRef>
+        </p:style>
+        <p:txBody>
+          <a:bodyPr rtlCol="0" anchor="ctr"/>
+          <a:lstStyle/>
+          <a:p>
+            <a:pPr algn="ctr"/>
+            <a:endParaRPr lang="en-US" dirty="0"/>
+          </a:p>
+        </p:txBody>
+      </p:sp>
+      <p:pic>
+        <p:nvPicPr>
+          <p:cNvPr id="11" name="Picture 10">
+            <a:extLst>
+              <a:ext uri="{FF2B5EF4-FFF2-40B4-BE49-F238E27FC236}">
+                <a16:creationId xmlns:a16="http://schemas.microsoft.com/office/drawing/2014/main" id="{1CA28B7B-5536-4F6A-B522-CDC03999D940}"/>
+              </a:ext>
+            </a:extLst>
+          </p:cNvPr>
+          <p:cNvPicPr>
+            <a:picLocks noChangeAspect="1"/>
+          </p:cNvPicPr>
+          <p:nvPr/>
+        </p:nvPicPr>
+        <p:blipFill rotWithShape="1">
+          <a:blip r:embed="rId21">
+            <a:extLst>
+              <a:ext uri="{28A0092B-C50C-407E-A947-70E740481C1C}">
+                <a14:useLocalDpi xmlns:a14="http://schemas.microsoft.com/office/drawing/2010/main" val="0"/>
+              </a:ext>
+            </a:extLst>
+          </a:blip>
+          <a:srcRect l="4036" t="15373" r="2995" b="13373"/>
+          <a:stretch/>
+        </p:blipFill>
+        <p:spPr>
+          <a:xfrm>
+            <a:off x="3512059" y="3545335"/>
+            <a:ext cx="957221" cy="477842"/>
+          </a:xfrm>
+          <a:prstGeom prst="rect">
+            <a:avLst/>
+          </a:prstGeom>
+        </p:spPr>
+      </p:pic>
+      <p:sp>
+        <p:nvSpPr>
+          <p:cNvPr id="13" name="TextBox 12">
+            <a:extLst>
+              <a:ext uri="{FF2B5EF4-FFF2-40B4-BE49-F238E27FC236}">
+                <a16:creationId xmlns:a16="http://schemas.microsoft.com/office/drawing/2014/main" id="{84D2578E-196C-40B0-A918-989C86CF75A9}"/>
+              </a:ext>
+            </a:extLst>
+          </p:cNvPr>
+          <p:cNvSpPr txBox="1"/>
+          <p:nvPr/>
+        </p:nvSpPr>
+        <p:spPr>
+          <a:xfrm>
+            <a:off x="3589999" y="3968313"/>
+            <a:ext cx="757680" cy="246221"/>
+          </a:xfrm>
+          <a:prstGeom prst="rect">
+            <a:avLst/>
+          </a:prstGeom>
+          <a:noFill/>
+        </p:spPr>
+        <p:txBody>
+          <a:bodyPr wrap="square" rtlCol="0">
+            <a:spAutoFit/>
+          </a:bodyPr>
+          <a:lstStyle/>
+          <a:p>
+            <a:r>
+              <a:rPr lang="en-US" sz="1000" dirty="0"/>
+              <a:t>BH1750FVI</a:t>
+            </a:r>
+          </a:p>
+        </p:txBody>
+      </p:sp>
+      <p:pic>
+        <p:nvPicPr>
+          <p:cNvPr id="16" name="Picture 15">
+            <a:extLst>
+              <a:ext uri="{FF2B5EF4-FFF2-40B4-BE49-F238E27FC236}">
+                <a16:creationId xmlns:a16="http://schemas.microsoft.com/office/drawing/2014/main" id="{56ED33AD-3330-4A6F-86CE-123A72202171}"/>
+              </a:ext>
+            </a:extLst>
+          </p:cNvPr>
+          <p:cNvPicPr/>
+          <p:nvPr/>
+        </p:nvPicPr>
+        <p:blipFill rotWithShape="1">
+          <a:blip r:embed="rId9"/>
+          <a:srcRect b="50000"/>
+          <a:stretch/>
+        </p:blipFill>
+        <p:spPr>
+          <a:xfrm>
+            <a:off x="5522806" y="3188319"/>
+            <a:ext cx="880787" cy="405599"/>
+          </a:xfrm>
+          <a:prstGeom prst="rect">
+            <a:avLst/>
+          </a:prstGeom>
+        </p:spPr>
+      </p:pic>
+      <p:sp>
+        <p:nvSpPr>
+          <p:cNvPr id="17" name="TextBox 16">
+            <a:extLst>
+              <a:ext uri="{FF2B5EF4-FFF2-40B4-BE49-F238E27FC236}">
+                <a16:creationId xmlns:a16="http://schemas.microsoft.com/office/drawing/2014/main" id="{920D0E36-6026-4FE9-AC96-9687CB6C0F73}"/>
+              </a:ext>
+            </a:extLst>
+          </p:cNvPr>
+          <p:cNvSpPr txBox="1"/>
+          <p:nvPr/>
+        </p:nvSpPr>
+        <p:spPr>
+          <a:xfrm>
+            <a:off x="5710358" y="3590487"/>
+            <a:ext cx="582211" cy="246221"/>
+          </a:xfrm>
+          <a:prstGeom prst="rect">
+            <a:avLst/>
+          </a:prstGeom>
+          <a:noFill/>
+        </p:spPr>
+        <p:txBody>
+          <a:bodyPr wrap="none" rtlCol="0">
+            <a:spAutoFit/>
+          </a:bodyPr>
+          <a:lstStyle/>
+          <a:p>
+            <a:r>
+              <a:rPr lang="en-US" sz="1000" dirty="0"/>
+              <a:t>I2C LCD</a:t>
+            </a:r>
+          </a:p>
+        </p:txBody>
+      </p:sp>
+      <p:sp>
+        <p:nvSpPr>
+          <p:cNvPr id="19" name="Freeform: Shape 18">
+            <a:extLst>
+              <a:ext uri="{FF2B5EF4-FFF2-40B4-BE49-F238E27FC236}">
+                <a16:creationId xmlns:a16="http://schemas.microsoft.com/office/drawing/2014/main" id="{51122B53-E7E9-4B39-BF1D-55EDBC0CAB13}"/>
+              </a:ext>
+            </a:extLst>
+          </p:cNvPr>
+          <p:cNvSpPr/>
+          <p:nvPr/>
+        </p:nvSpPr>
+        <p:spPr>
+          <a:xfrm>
+            <a:off x="6416040" y="3325964"/>
+            <a:ext cx="647700" cy="354496"/>
+          </a:xfrm>
+          <a:custGeom>
+            <a:avLst/>
+            <a:gdLst>
+              <a:gd name="connsiteX0" fmla="*/ 647700 w 647700"/>
+              <a:gd name="connsiteY0" fmla="*/ 354496 h 354496"/>
+              <a:gd name="connsiteX1" fmla="*/ 259080 w 647700"/>
+              <a:gd name="connsiteY1" fmla="*/ 49696 h 354496"/>
+              <a:gd name="connsiteX2" fmla="*/ 0 w 647700"/>
+              <a:gd name="connsiteY2" fmla="*/ 3976 h 354496"/>
+            </a:gdLst>
+            <a:ahLst/>
+            <a:cxnLst>
+              <a:cxn ang="0">
+                <a:pos x="connsiteX0" y="connsiteY0"/>
+              </a:cxn>
+              <a:cxn ang="0">
+                <a:pos x="connsiteX1" y="connsiteY1"/>
+              </a:cxn>
+              <a:cxn ang="0">
+                <a:pos x="connsiteX2" y="connsiteY2"/>
+              </a:cxn>
+            </a:cxnLst>
+            <a:rect l="l" t="t" r="r" b="b"/>
+            <a:pathLst>
+              <a:path w="647700" h="354496">
+                <a:moveTo>
+                  <a:pt x="647700" y="354496"/>
+                </a:moveTo>
+                <a:cubicBezTo>
+                  <a:pt x="507365" y="231306"/>
+                  <a:pt x="367030" y="108116"/>
+                  <a:pt x="259080" y="49696"/>
+                </a:cubicBezTo>
+                <a:cubicBezTo>
+                  <a:pt x="151130" y="-8724"/>
+                  <a:pt x="75565" y="-2374"/>
+                  <a:pt x="0" y="3976"/>
+                </a:cubicBezTo>
+              </a:path>
+            </a:pathLst>
+          </a:custGeom>
+          <a:ln>
+            <a:headEnd type="none" w="med" len="med"/>
+            <a:tailEnd type="arrow" w="med" len="med"/>
+          </a:ln>
+        </p:spPr>
+        <p:style>
+          <a:lnRef idx="2">
+            <a:schemeClr val="dk1"/>
+          </a:lnRef>
+          <a:fillRef idx="0">
+            <a:schemeClr val="dk1"/>
+          </a:fillRef>
+          <a:effectRef idx="1">
+            <a:schemeClr val="dk1"/>
+          </a:effectRef>
+          <a:fontRef idx="minor">
+            <a:schemeClr val="tx1"/>
+          </a:fontRef>
+        </p:style>
+        <p:txBody>
+          <a:bodyPr rtlCol="0" anchor="ctr"/>
+          <a:lstStyle/>
+          <a:p>
+            <a:pPr algn="ctr"/>
+            <a:endParaRPr lang="en-US"/>
+          </a:p>
+        </p:txBody>
+      </p:sp>
+      <p:sp>
+        <p:nvSpPr>
+          <p:cNvPr id="20" name="Freeform: Shape 19">
+            <a:extLst>
+              <a:ext uri="{FF2B5EF4-FFF2-40B4-BE49-F238E27FC236}">
+                <a16:creationId xmlns:a16="http://schemas.microsoft.com/office/drawing/2014/main" id="{5508D22A-163E-4403-B8B6-73F98F4C873C}"/>
+              </a:ext>
+            </a:extLst>
+          </p:cNvPr>
+          <p:cNvSpPr/>
+          <p:nvPr/>
+        </p:nvSpPr>
+        <p:spPr>
+          <a:xfrm>
+            <a:off x="2857500" y="3832860"/>
+            <a:ext cx="632460" cy="175260"/>
+          </a:xfrm>
+          <a:custGeom>
+            <a:avLst/>
+            <a:gdLst>
+              <a:gd name="connsiteX0" fmla="*/ 632460 w 632460"/>
+              <a:gd name="connsiteY0" fmla="*/ 0 h 175260"/>
+              <a:gd name="connsiteX1" fmla="*/ 243840 w 632460"/>
+              <a:gd name="connsiteY1" fmla="*/ 45720 h 175260"/>
+              <a:gd name="connsiteX2" fmla="*/ 0 w 632460"/>
+              <a:gd name="connsiteY2" fmla="*/ 175260 h 175260"/>
+            </a:gdLst>
+            <a:ahLst/>
+            <a:cxnLst>
+              <a:cxn ang="0">
+                <a:pos x="connsiteX0" y="connsiteY0"/>
+              </a:cxn>
+              <a:cxn ang="0">
+                <a:pos x="connsiteX1" y="connsiteY1"/>
+              </a:cxn>
+              <a:cxn ang="0">
+                <a:pos x="connsiteX2" y="connsiteY2"/>
+              </a:cxn>
+            </a:cxnLst>
+            <a:rect l="l" t="t" r="r" b="b"/>
+            <a:pathLst>
+              <a:path w="632460" h="175260">
+                <a:moveTo>
+                  <a:pt x="632460" y="0"/>
+                </a:moveTo>
+                <a:cubicBezTo>
+                  <a:pt x="490855" y="8255"/>
+                  <a:pt x="349250" y="16510"/>
+                  <a:pt x="243840" y="45720"/>
+                </a:cubicBezTo>
+                <a:cubicBezTo>
+                  <a:pt x="138430" y="74930"/>
+                  <a:pt x="16510" y="160020"/>
+                  <a:pt x="0" y="175260"/>
+                </a:cubicBezTo>
+              </a:path>
+            </a:pathLst>
+          </a:custGeom>
+          <a:ln>
+            <a:headEnd type="none" w="med" len="med"/>
+            <a:tailEnd type="arrow" w="med" len="med"/>
+          </a:ln>
+        </p:spPr>
+        <p:style>
+          <a:lnRef idx="2">
+            <a:schemeClr val="dk1"/>
+          </a:lnRef>
+          <a:fillRef idx="0">
+            <a:schemeClr val="dk1"/>
+          </a:fillRef>
+          <a:effectRef idx="1">
+            <a:schemeClr val="dk1"/>
+          </a:effectRef>
+          <a:fontRef idx="minor">
+            <a:schemeClr val="tx1"/>
+          </a:fontRef>
+        </p:style>
+        <p:txBody>
+          <a:bodyPr rtlCol="0" anchor="ctr"/>
+          <a:lstStyle/>
+          <a:p>
+            <a:pPr algn="ctr"/>
+            <a:endParaRPr lang="en-US"/>
+          </a:p>
+        </p:txBody>
+      </p:sp>
+      <p:pic>
+        <p:nvPicPr>
+          <p:cNvPr id="22" name="Picture 21">
+            <a:extLst>
+              <a:ext uri="{FF2B5EF4-FFF2-40B4-BE49-F238E27FC236}">
+                <a16:creationId xmlns:a16="http://schemas.microsoft.com/office/drawing/2014/main" id="{230B9101-204F-446B-B581-16652C4B998D}"/>
+              </a:ext>
+            </a:extLst>
+          </p:cNvPr>
+          <p:cNvPicPr>
+            <a:picLocks noChangeAspect="1"/>
+          </p:cNvPicPr>
+          <p:nvPr/>
+        </p:nvPicPr>
+        <p:blipFill rotWithShape="1">
+          <a:blip r:embed="rId22">
+            <a:extLst>
+              <a:ext uri="{28A0092B-C50C-407E-A947-70E740481C1C}">
+                <a14:useLocalDpi xmlns:a14="http://schemas.microsoft.com/office/drawing/2010/main" val="0"/>
+              </a:ext>
+            </a:extLst>
+          </a:blip>
+          <a:srcRect l="10562" t="9213" r="5481" b="9213"/>
+          <a:stretch/>
+        </p:blipFill>
+        <p:spPr>
+          <a:xfrm>
+            <a:off x="2661454" y="2739248"/>
+            <a:ext cx="632460" cy="614493"/>
+          </a:xfrm>
+          <a:prstGeom prst="rect">
+            <a:avLst/>
+          </a:prstGeom>
+        </p:spPr>
+      </p:pic>
+      <p:sp>
+        <p:nvSpPr>
+          <p:cNvPr id="23" name="Freeform: Shape 22">
+            <a:extLst>
+              <a:ext uri="{FF2B5EF4-FFF2-40B4-BE49-F238E27FC236}">
+                <a16:creationId xmlns:a16="http://schemas.microsoft.com/office/drawing/2014/main" id="{7DB8AF0C-E9E7-4843-A42A-7A5ADA15CBA6}"/>
+              </a:ext>
+            </a:extLst>
+          </p:cNvPr>
+          <p:cNvSpPr/>
+          <p:nvPr/>
+        </p:nvSpPr>
+        <p:spPr>
+          <a:xfrm>
+            <a:off x="2595540" y="3230880"/>
+            <a:ext cx="140040" cy="411480"/>
+          </a:xfrm>
+          <a:custGeom>
+            <a:avLst/>
+            <a:gdLst>
+              <a:gd name="connsiteX0" fmla="*/ 2880 w 140040"/>
+              <a:gd name="connsiteY0" fmla="*/ 411480 h 411480"/>
+              <a:gd name="connsiteX1" fmla="*/ 18120 w 140040"/>
+              <a:gd name="connsiteY1" fmla="*/ 152400 h 411480"/>
+              <a:gd name="connsiteX2" fmla="*/ 140040 w 140040"/>
+              <a:gd name="connsiteY2" fmla="*/ 0 h 411480"/>
+            </a:gdLst>
+            <a:ahLst/>
+            <a:cxnLst>
+              <a:cxn ang="0">
+                <a:pos x="connsiteX0" y="connsiteY0"/>
+              </a:cxn>
+              <a:cxn ang="0">
+                <a:pos x="connsiteX1" y="connsiteY1"/>
+              </a:cxn>
+              <a:cxn ang="0">
+                <a:pos x="connsiteX2" y="connsiteY2"/>
+              </a:cxn>
+            </a:cxnLst>
+            <a:rect l="l" t="t" r="r" b="b"/>
+            <a:pathLst>
+              <a:path w="140040" h="411480">
+                <a:moveTo>
+                  <a:pt x="2880" y="411480"/>
+                </a:moveTo>
+                <a:cubicBezTo>
+                  <a:pt x="-930" y="316230"/>
+                  <a:pt x="-4740" y="220980"/>
+                  <a:pt x="18120" y="152400"/>
+                </a:cubicBezTo>
+                <a:cubicBezTo>
+                  <a:pt x="40980" y="83820"/>
+                  <a:pt x="90510" y="41910"/>
+                  <a:pt x="140040" y="0"/>
+                </a:cubicBezTo>
+              </a:path>
+            </a:pathLst>
+          </a:custGeom>
+          <a:ln>
+            <a:headEnd type="none" w="med" len="med"/>
+            <a:tailEnd type="arrow" w="med" len="med"/>
+          </a:ln>
+        </p:spPr>
+        <p:style>
+          <a:lnRef idx="2">
+            <a:schemeClr val="dk1"/>
+          </a:lnRef>
+          <a:fillRef idx="0">
+            <a:schemeClr val="dk1"/>
+          </a:fillRef>
+          <a:effectRef idx="1">
+            <a:schemeClr val="dk1"/>
+          </a:effectRef>
+          <a:fontRef idx="minor">
+            <a:schemeClr val="tx1"/>
+          </a:fontRef>
+        </p:style>
+        <p:txBody>
+          <a:bodyPr rtlCol="0" anchor="ctr"/>
+          <a:lstStyle/>
+          <a:p>
+            <a:pPr algn="ctr"/>
+            <a:endParaRPr lang="en-US"/>
+          </a:p>
+        </p:txBody>
+      </p:sp>
+      <p:sp>
+        <p:nvSpPr>
+          <p:cNvPr id="24" name="TextBox 23">
+            <a:extLst>
+              <a:ext uri="{FF2B5EF4-FFF2-40B4-BE49-F238E27FC236}">
+                <a16:creationId xmlns:a16="http://schemas.microsoft.com/office/drawing/2014/main" id="{970AF5F7-CDC6-44EC-99DF-FAA377B39242}"/>
+              </a:ext>
+            </a:extLst>
+          </p:cNvPr>
+          <p:cNvSpPr txBox="1"/>
+          <p:nvPr/>
+        </p:nvSpPr>
+        <p:spPr>
+          <a:xfrm>
+            <a:off x="2735580" y="3294951"/>
+            <a:ext cx="757680" cy="246221"/>
+          </a:xfrm>
+          <a:prstGeom prst="rect">
+            <a:avLst/>
+          </a:prstGeom>
+          <a:noFill/>
+        </p:spPr>
+        <p:txBody>
+          <a:bodyPr wrap="square" rtlCol="0">
+            <a:spAutoFit/>
+          </a:bodyPr>
+          <a:lstStyle/>
+          <a:p>
+            <a:r>
+              <a:rPr lang="en-US" sz="1000" dirty="0"/>
+              <a:t>L298N</a:t>
+            </a:r>
+          </a:p>
+        </p:txBody>
+      </p:sp>
+      <p:pic>
+        <p:nvPicPr>
+          <p:cNvPr id="28" name="Picture 27">
+            <a:extLst>
+              <a:ext uri="{FF2B5EF4-FFF2-40B4-BE49-F238E27FC236}">
+                <a16:creationId xmlns:a16="http://schemas.microsoft.com/office/drawing/2014/main" id="{DF8F1B75-3C91-4769-A994-DD368EB6771F}"/>
+              </a:ext>
+            </a:extLst>
+          </p:cNvPr>
+          <p:cNvPicPr>
+            <a:picLocks noChangeAspect="1"/>
+          </p:cNvPicPr>
+          <p:nvPr/>
+        </p:nvPicPr>
+        <p:blipFill rotWithShape="1">
+          <a:blip r:embed="rId23">
+            <a:extLst>
+              <a:ext uri="{28A0092B-C50C-407E-A947-70E740481C1C}">
+                <a14:useLocalDpi xmlns:a14="http://schemas.microsoft.com/office/drawing/2010/main" val="0"/>
+              </a:ext>
+            </a:extLst>
+          </a:blip>
+          <a:srcRect l="35635" t="8048" r="10445" b="34762"/>
+          <a:stretch/>
+        </p:blipFill>
+        <p:spPr>
+          <a:xfrm>
+            <a:off x="3798200" y="2965099"/>
+            <a:ext cx="327688" cy="347566"/>
+          </a:xfrm>
+          <a:prstGeom prst="rect">
+            <a:avLst/>
+          </a:prstGeom>
+        </p:spPr>
+      </p:pic>
+      <p:sp>
+        <p:nvSpPr>
+          <p:cNvPr id="29" name="TextBox 28">
+            <a:extLst>
+              <a:ext uri="{FF2B5EF4-FFF2-40B4-BE49-F238E27FC236}">
+                <a16:creationId xmlns:a16="http://schemas.microsoft.com/office/drawing/2014/main" id="{E4FBD745-0EA4-4708-9F95-070B94D854C3}"/>
+              </a:ext>
+            </a:extLst>
+          </p:cNvPr>
+          <p:cNvSpPr txBox="1"/>
+          <p:nvPr/>
+        </p:nvSpPr>
+        <p:spPr>
+          <a:xfrm>
+            <a:off x="3615591" y="3264744"/>
+            <a:ext cx="757680" cy="246221"/>
+          </a:xfrm>
+          <a:prstGeom prst="rect">
+            <a:avLst/>
+          </a:prstGeom>
+          <a:noFill/>
+        </p:spPr>
+        <p:txBody>
+          <a:bodyPr wrap="square" rtlCol="0">
+            <a:spAutoFit/>
+          </a:bodyPr>
+          <a:lstStyle/>
+          <a:p>
+            <a:r>
+              <a:rPr lang="en-US" sz="1000" dirty="0"/>
+              <a:t>LED x 112</a:t>
+            </a:r>
+          </a:p>
+        </p:txBody>
+      </p:sp>
+      <p:sp>
+        <p:nvSpPr>
+          <p:cNvPr id="33" name="Freeform: Shape 32">
+            <a:extLst>
+              <a:ext uri="{FF2B5EF4-FFF2-40B4-BE49-F238E27FC236}">
+                <a16:creationId xmlns:a16="http://schemas.microsoft.com/office/drawing/2014/main" id="{0BB155B7-D766-4DA6-8200-C2AF9777F240}"/>
+              </a:ext>
+            </a:extLst>
+          </p:cNvPr>
+          <p:cNvSpPr/>
+          <p:nvPr/>
+        </p:nvSpPr>
+        <p:spPr>
+          <a:xfrm>
+            <a:off x="3276600" y="3002280"/>
+            <a:ext cx="571500" cy="99060"/>
+          </a:xfrm>
+          <a:custGeom>
+            <a:avLst/>
+            <a:gdLst>
+              <a:gd name="connsiteX0" fmla="*/ 0 w 571500"/>
+              <a:gd name="connsiteY0" fmla="*/ 0 h 99060"/>
+              <a:gd name="connsiteX1" fmla="*/ 281940 w 571500"/>
+              <a:gd name="connsiteY1" fmla="*/ 22860 h 99060"/>
+              <a:gd name="connsiteX2" fmla="*/ 571500 w 571500"/>
+              <a:gd name="connsiteY2" fmla="*/ 99060 h 99060"/>
+            </a:gdLst>
+            <a:ahLst/>
+            <a:cxnLst>
+              <a:cxn ang="0">
+                <a:pos x="connsiteX0" y="connsiteY0"/>
+              </a:cxn>
+              <a:cxn ang="0">
+                <a:pos x="connsiteX1" y="connsiteY1"/>
+              </a:cxn>
+              <a:cxn ang="0">
+                <a:pos x="connsiteX2" y="connsiteY2"/>
+              </a:cxn>
+            </a:cxnLst>
+            <a:rect l="l" t="t" r="r" b="b"/>
+            <a:pathLst>
+              <a:path w="571500" h="99060">
+                <a:moveTo>
+                  <a:pt x="0" y="0"/>
+                </a:moveTo>
+                <a:cubicBezTo>
+                  <a:pt x="93345" y="3175"/>
+                  <a:pt x="186690" y="6350"/>
+                  <a:pt x="281940" y="22860"/>
+                </a:cubicBezTo>
+                <a:cubicBezTo>
+                  <a:pt x="377190" y="39370"/>
+                  <a:pt x="474345" y="69215"/>
+                  <a:pt x="571500" y="99060"/>
+                </a:cubicBezTo>
+              </a:path>
+            </a:pathLst>
+          </a:custGeom>
+          <a:ln>
+            <a:headEnd type="none" w="med" len="med"/>
+            <a:tailEnd type="arrow" w="med" len="med"/>
+          </a:ln>
+        </p:spPr>
+        <p:style>
+          <a:lnRef idx="2">
+            <a:schemeClr val="dk1"/>
+          </a:lnRef>
+          <a:fillRef idx="0">
+            <a:schemeClr val="dk1"/>
+          </a:fillRef>
+          <a:effectRef idx="1">
+            <a:schemeClr val="dk1"/>
+          </a:effectRef>
+          <a:fontRef idx="minor">
+            <a:schemeClr val="tx1"/>
+          </a:fontRef>
+        </p:style>
+        <p:txBody>
+          <a:bodyPr rtlCol="0" anchor="ctr"/>
+          <a:lstStyle/>
+          <a:p>
+            <a:pPr algn="ctr"/>
+            <a:endParaRPr lang="en-US"/>
+          </a:p>
+        </p:txBody>
+      </p:sp>
     </p:spTree>
     <p:extLst>
       <p:ext uri="{BB962C8B-B14F-4D97-AF65-F5344CB8AC3E}">

--- a/Documents/SystemDiagram.pptx
+++ b/Documents/SystemDiagram.pptx
@@ -6,6 +6,7 @@
   </p:sldMasterIdLst>
   <p:sldIdLst>
     <p:sldId id="256" r:id="rId2"/>
+    <p:sldId id="257" r:id="rId3"/>
   </p:sldIdLst>
   <p:sldSz cx="12192000" cy="6858000"/>
   <p:notesSz cx="6858000" cy="9144000"/>
@@ -259,7 +260,7 @@
           <a:p>
             <a:fld id="{AA60C478-6A22-4027-850B-07F0CA9E255D}" type="datetimeFigureOut">
               <a:rPr lang="en-US" smtClean="0"/>
-              <a:t>10/19/2020</a:t>
+              <a:t>2/20/2021</a:t>
             </a:fld>
             <a:endParaRPr lang="en-US"/>
           </a:p>
@@ -457,7 +458,7 @@
           <a:p>
             <a:fld id="{AA60C478-6A22-4027-850B-07F0CA9E255D}" type="datetimeFigureOut">
               <a:rPr lang="en-US" smtClean="0"/>
-              <a:t>10/19/2020</a:t>
+              <a:t>2/20/2021</a:t>
             </a:fld>
             <a:endParaRPr lang="en-US"/>
           </a:p>
@@ -665,7 +666,7 @@
           <a:p>
             <a:fld id="{AA60C478-6A22-4027-850B-07F0CA9E255D}" type="datetimeFigureOut">
               <a:rPr lang="en-US" smtClean="0"/>
-              <a:t>10/19/2020</a:t>
+              <a:t>2/20/2021</a:t>
             </a:fld>
             <a:endParaRPr lang="en-US"/>
           </a:p>
@@ -863,7 +864,7 @@
           <a:p>
             <a:fld id="{AA60C478-6A22-4027-850B-07F0CA9E255D}" type="datetimeFigureOut">
               <a:rPr lang="en-US" smtClean="0"/>
-              <a:t>10/19/2020</a:t>
+              <a:t>2/20/2021</a:t>
             </a:fld>
             <a:endParaRPr lang="en-US"/>
           </a:p>
@@ -1138,7 +1139,7 @@
           <a:p>
             <a:fld id="{AA60C478-6A22-4027-850B-07F0CA9E255D}" type="datetimeFigureOut">
               <a:rPr lang="en-US" smtClean="0"/>
-              <a:t>10/19/2020</a:t>
+              <a:t>2/20/2021</a:t>
             </a:fld>
             <a:endParaRPr lang="en-US"/>
           </a:p>
@@ -1403,7 +1404,7 @@
           <a:p>
             <a:fld id="{AA60C478-6A22-4027-850B-07F0CA9E255D}" type="datetimeFigureOut">
               <a:rPr lang="en-US" smtClean="0"/>
-              <a:t>10/19/2020</a:t>
+              <a:t>2/20/2021</a:t>
             </a:fld>
             <a:endParaRPr lang="en-US"/>
           </a:p>
@@ -1815,7 +1816,7 @@
           <a:p>
             <a:fld id="{AA60C478-6A22-4027-850B-07F0CA9E255D}" type="datetimeFigureOut">
               <a:rPr lang="en-US" smtClean="0"/>
-              <a:t>10/19/2020</a:t>
+              <a:t>2/20/2021</a:t>
             </a:fld>
             <a:endParaRPr lang="en-US"/>
           </a:p>
@@ -1956,7 +1957,7 @@
           <a:p>
             <a:fld id="{AA60C478-6A22-4027-850B-07F0CA9E255D}" type="datetimeFigureOut">
               <a:rPr lang="en-US" smtClean="0"/>
-              <a:t>10/19/2020</a:t>
+              <a:t>2/20/2021</a:t>
             </a:fld>
             <a:endParaRPr lang="en-US"/>
           </a:p>
@@ -2069,7 +2070,7 @@
           <a:p>
             <a:fld id="{AA60C478-6A22-4027-850B-07F0CA9E255D}" type="datetimeFigureOut">
               <a:rPr lang="en-US" smtClean="0"/>
-              <a:t>10/19/2020</a:t>
+              <a:t>2/20/2021</a:t>
             </a:fld>
             <a:endParaRPr lang="en-US"/>
           </a:p>
@@ -2380,7 +2381,7 @@
           <a:p>
             <a:fld id="{AA60C478-6A22-4027-850B-07F0CA9E255D}" type="datetimeFigureOut">
               <a:rPr lang="en-US" smtClean="0"/>
-              <a:t>10/19/2020</a:t>
+              <a:t>2/20/2021</a:t>
             </a:fld>
             <a:endParaRPr lang="en-US"/>
           </a:p>
@@ -2668,7 +2669,7 @@
           <a:p>
             <a:fld id="{AA60C478-6A22-4027-850B-07F0CA9E255D}" type="datetimeFigureOut">
               <a:rPr lang="en-US" smtClean="0"/>
-              <a:t>10/19/2020</a:t>
+              <a:t>2/20/2021</a:t>
             </a:fld>
             <a:endParaRPr lang="en-US"/>
           </a:p>
@@ -2909,7 +2910,7 @@
           <a:p>
             <a:fld id="{AA60C478-6A22-4027-850B-07F0CA9E255D}" type="datetimeFigureOut">
               <a:rPr lang="en-US" smtClean="0"/>
-              <a:t>10/19/2020</a:t>
+              <a:t>2/20/2021</a:t>
             </a:fld>
             <a:endParaRPr lang="en-US"/>
           </a:p>
@@ -6955,6 +6956,1740 @@
 </p:sld>
 </file>
 
+<file path=ppt/slides/slide2.xml><?xml version="1.0" encoding="utf-8"?>
+<p:sld xmlns:a="http://schemas.openxmlformats.org/drawingml/2006/main" xmlns:r="http://schemas.openxmlformats.org/officeDocument/2006/relationships" xmlns:p="http://schemas.openxmlformats.org/presentationml/2006/main">
+  <p:cSld>
+    <p:spTree>
+      <p:nvGrpSpPr>
+        <p:cNvPr id="1" name=""/>
+        <p:cNvGrpSpPr/>
+        <p:nvPr/>
+      </p:nvGrpSpPr>
+      <p:grpSpPr>
+        <a:xfrm>
+          <a:off x="0" y="0"/>
+          <a:ext cx="0" cy="0"/>
+          <a:chOff x="0" y="0"/>
+          <a:chExt cx="0" cy="0"/>
+        </a:xfrm>
+      </p:grpSpPr>
+      <p:pic>
+        <p:nvPicPr>
+          <p:cNvPr id="47" name="รูปภาพ 46">
+            <a:extLst>
+              <a:ext uri="{FF2B5EF4-FFF2-40B4-BE49-F238E27FC236}">
+                <a16:creationId xmlns:a16="http://schemas.microsoft.com/office/drawing/2014/main" id="{2EDDC342-1551-4F58-944C-5BB5039336BB}"/>
+              </a:ext>
+            </a:extLst>
+          </p:cNvPr>
+          <p:cNvPicPr>
+            <a:picLocks noChangeAspect="1"/>
+          </p:cNvPicPr>
+          <p:nvPr/>
+        </p:nvPicPr>
+        <p:blipFill>
+          <a:blip r:embed="rId2">
+            <a:extLst>
+              <a:ext uri="{28A0092B-C50C-407E-A947-70E740481C1C}">
+                <a14:useLocalDpi xmlns:a14="http://schemas.microsoft.com/office/drawing/2010/main" val="0"/>
+              </a:ext>
+            </a:extLst>
+          </a:blip>
+          <a:stretch>
+            <a:fillRect/>
+          </a:stretch>
+        </p:blipFill>
+        <p:spPr>
+          <a:xfrm>
+            <a:off x="6987750" y="1547906"/>
+            <a:ext cx="1231731" cy="1231731"/>
+          </a:xfrm>
+          <a:prstGeom prst="rect">
+            <a:avLst/>
+          </a:prstGeom>
+        </p:spPr>
+      </p:pic>
+      <p:sp>
+        <p:nvSpPr>
+          <p:cNvPr id="4" name="ปุ่มปฏิบัติการ: ไปที่หน้าแรก 3">
+            <a:hlinkClick r:id="" action="ppaction://hlinkshowjump?jump=firstslide" highlightClick="1"/>
+            <a:extLst>
+              <a:ext uri="{FF2B5EF4-FFF2-40B4-BE49-F238E27FC236}">
+                <a16:creationId xmlns:a16="http://schemas.microsoft.com/office/drawing/2014/main" id="{12260D94-083B-484F-BC13-E576F8CF947B}"/>
+              </a:ext>
+            </a:extLst>
+          </p:cNvPr>
+          <p:cNvSpPr/>
+          <p:nvPr/>
+        </p:nvSpPr>
+        <p:spPr>
+          <a:xfrm>
+            <a:off x="2262545" y="3553392"/>
+            <a:ext cx="1656598" cy="1363932"/>
+          </a:xfrm>
+          <a:prstGeom prst="actionButtonHome">
+            <a:avLst/>
+          </a:prstGeom>
+        </p:spPr>
+        <p:style>
+          <a:lnRef idx="2">
+            <a:schemeClr val="dk1"/>
+          </a:lnRef>
+          <a:fillRef idx="1">
+            <a:schemeClr val="lt1"/>
+          </a:fillRef>
+          <a:effectRef idx="0">
+            <a:schemeClr val="dk1"/>
+          </a:effectRef>
+          <a:fontRef idx="minor">
+            <a:schemeClr val="dk1"/>
+          </a:fontRef>
+        </p:style>
+        <p:txBody>
+          <a:bodyPr rtlCol="0" anchor="ctr"/>
+          <a:lstStyle/>
+          <a:p>
+            <a:pPr algn="ctr"/>
+            <a:endParaRPr lang="th-TH" dirty="0"/>
+          </a:p>
+        </p:txBody>
+      </p:sp>
+      <p:sp>
+        <p:nvSpPr>
+          <p:cNvPr id="6" name="กล่องข้อความ 5">
+            <a:extLst>
+              <a:ext uri="{FF2B5EF4-FFF2-40B4-BE49-F238E27FC236}">
+                <a16:creationId xmlns:a16="http://schemas.microsoft.com/office/drawing/2014/main" id="{3D9054C8-70D0-4655-913E-8B38887DA5C8}"/>
+              </a:ext>
+            </a:extLst>
+          </p:cNvPr>
+          <p:cNvSpPr txBox="1"/>
+          <p:nvPr/>
+        </p:nvSpPr>
+        <p:spPr>
+          <a:xfrm>
+            <a:off x="2337351" y="4917324"/>
+            <a:ext cx="1506985" cy="369332"/>
+          </a:xfrm>
+          <a:prstGeom prst="rect">
+            <a:avLst/>
+          </a:prstGeom>
+          <a:noFill/>
+        </p:spPr>
+        <p:txBody>
+          <a:bodyPr wrap="square">
+            <a:spAutoFit/>
+          </a:bodyPr>
+          <a:lstStyle/>
+          <a:p>
+            <a:pPr algn="ctr"/>
+            <a:r>
+              <a:rPr lang="en-US" sz="1800" b="1" dirty="0">
+                <a:latin typeface="TH Sarabun New" panose="020B0500040200020003" pitchFamily="34" charset="-34"/>
+                <a:cs typeface="TH Sarabun New" panose="020B0500040200020003" pitchFamily="34" charset="-34"/>
+              </a:rPr>
+              <a:t>Mushroom Farm</a:t>
+            </a:r>
+          </a:p>
+        </p:txBody>
+      </p:sp>
+      <p:pic>
+        <p:nvPicPr>
+          <p:cNvPr id="7" name="Picture 129">
+            <a:extLst>
+              <a:ext uri="{FF2B5EF4-FFF2-40B4-BE49-F238E27FC236}">
+                <a16:creationId xmlns:a16="http://schemas.microsoft.com/office/drawing/2014/main" id="{1C496340-950D-4D4A-B54E-16FC720DD36D}"/>
+              </a:ext>
+            </a:extLst>
+          </p:cNvPr>
+          <p:cNvPicPr>
+            <a:picLocks noChangeAspect="1"/>
+          </p:cNvPicPr>
+          <p:nvPr/>
+        </p:nvPicPr>
+        <p:blipFill rotWithShape="1">
+          <a:blip r:embed="rId3">
+            <a:extLst>
+              <a:ext uri="{28A0092B-C50C-407E-A947-70E740481C1C}">
+                <a14:useLocalDpi xmlns:a14="http://schemas.microsoft.com/office/drawing/2010/main" val="0"/>
+              </a:ext>
+            </a:extLst>
+          </a:blip>
+          <a:srcRect l="25373" r="22530"/>
+          <a:stretch/>
+        </p:blipFill>
+        <p:spPr>
+          <a:xfrm>
+            <a:off x="4381712" y="3685094"/>
+            <a:ext cx="826393" cy="489102"/>
+          </a:xfrm>
+          <a:prstGeom prst="rect">
+            <a:avLst/>
+          </a:prstGeom>
+        </p:spPr>
+      </p:pic>
+      <p:pic>
+        <p:nvPicPr>
+          <p:cNvPr id="8" name="Picture 39">
+            <a:extLst>
+              <a:ext uri="{FF2B5EF4-FFF2-40B4-BE49-F238E27FC236}">
+                <a16:creationId xmlns:a16="http://schemas.microsoft.com/office/drawing/2014/main" id="{10CA31A7-E703-4527-99A0-A402B85FDA3F}"/>
+              </a:ext>
+            </a:extLst>
+          </p:cNvPr>
+          <p:cNvPicPr>
+            <a:picLocks noChangeAspect="1"/>
+          </p:cNvPicPr>
+          <p:nvPr/>
+        </p:nvPicPr>
+        <p:blipFill>
+          <a:blip r:embed="rId4">
+            <a:extLst>
+              <a:ext uri="{28A0092B-C50C-407E-A947-70E740481C1C}">
+                <a14:useLocalDpi xmlns:a14="http://schemas.microsoft.com/office/drawing/2010/main" val="0"/>
+              </a:ext>
+            </a:extLst>
+          </a:blip>
+          <a:stretch>
+            <a:fillRect/>
+          </a:stretch>
+        </p:blipFill>
+        <p:spPr>
+          <a:xfrm>
+            <a:off x="5695032" y="3557567"/>
+            <a:ext cx="672625" cy="1363934"/>
+          </a:xfrm>
+          <a:prstGeom prst="rect">
+            <a:avLst/>
+          </a:prstGeom>
+        </p:spPr>
+      </p:pic>
+      <p:pic>
+        <p:nvPicPr>
+          <p:cNvPr id="18" name="Picture 47">
+            <a:extLst>
+              <a:ext uri="{FF2B5EF4-FFF2-40B4-BE49-F238E27FC236}">
+                <a16:creationId xmlns:a16="http://schemas.microsoft.com/office/drawing/2014/main" id="{FE240A33-890A-4656-BCF9-725114725BED}"/>
+              </a:ext>
+            </a:extLst>
+          </p:cNvPr>
+          <p:cNvPicPr>
+            <a:picLocks noChangeAspect="1"/>
+          </p:cNvPicPr>
+          <p:nvPr/>
+        </p:nvPicPr>
+        <p:blipFill>
+          <a:blip r:embed="rId5">
+            <a:extLst>
+              <a:ext uri="{28A0092B-C50C-407E-A947-70E740481C1C}">
+                <a14:useLocalDpi xmlns:a14="http://schemas.microsoft.com/office/drawing/2010/main" val="0"/>
+              </a:ext>
+            </a:extLst>
+          </a:blip>
+          <a:stretch>
+            <a:fillRect/>
+          </a:stretch>
+        </p:blipFill>
+        <p:spPr>
+          <a:xfrm>
+            <a:off x="7039330" y="3365358"/>
+            <a:ext cx="1128574" cy="1128574"/>
+          </a:xfrm>
+          <a:prstGeom prst="rect">
+            <a:avLst/>
+          </a:prstGeom>
+        </p:spPr>
+      </p:pic>
+      <p:sp>
+        <p:nvSpPr>
+          <p:cNvPr id="19" name="กล่องข้อความ 18">
+            <a:extLst>
+              <a:ext uri="{FF2B5EF4-FFF2-40B4-BE49-F238E27FC236}">
+                <a16:creationId xmlns:a16="http://schemas.microsoft.com/office/drawing/2014/main" id="{C1115014-E8ED-4224-811E-8D115B36A5AA}"/>
+              </a:ext>
+            </a:extLst>
+          </p:cNvPr>
+          <p:cNvSpPr txBox="1"/>
+          <p:nvPr/>
+        </p:nvSpPr>
+        <p:spPr>
+          <a:xfrm>
+            <a:off x="6850124" y="4309266"/>
+            <a:ext cx="1506985" cy="369332"/>
+          </a:xfrm>
+          <a:prstGeom prst="rect">
+            <a:avLst/>
+          </a:prstGeom>
+          <a:noFill/>
+        </p:spPr>
+        <p:txBody>
+          <a:bodyPr wrap="square">
+            <a:spAutoFit/>
+          </a:bodyPr>
+          <a:lstStyle/>
+          <a:p>
+            <a:pPr algn="ctr"/>
+            <a:r>
+              <a:rPr lang="en-US" sz="1800" b="1" dirty="0">
+                <a:latin typeface="TH Sarabun New" panose="020B0500040200020003" pitchFamily="34" charset="-34"/>
+                <a:cs typeface="TH Sarabun New" panose="020B0500040200020003" pitchFamily="34" charset="-34"/>
+              </a:rPr>
+              <a:t>Access Point</a:t>
+            </a:r>
+          </a:p>
+        </p:txBody>
+      </p:sp>
+      <p:cxnSp>
+        <p:nvCxnSpPr>
+          <p:cNvPr id="23" name="ตัวเชื่อมต่อตรง 22">
+            <a:extLst>
+              <a:ext uri="{FF2B5EF4-FFF2-40B4-BE49-F238E27FC236}">
+                <a16:creationId xmlns:a16="http://schemas.microsoft.com/office/drawing/2014/main" id="{F70F6338-0E0C-4F7E-A7B6-CAFA9675B959}"/>
+              </a:ext>
+            </a:extLst>
+          </p:cNvPr>
+          <p:cNvCxnSpPr>
+            <a:cxnSpLocks/>
+          </p:cNvCxnSpPr>
+          <p:nvPr/>
+        </p:nvCxnSpPr>
+        <p:spPr>
+          <a:xfrm>
+            <a:off x="4036290" y="4239534"/>
+            <a:ext cx="1560946" cy="0"/>
+          </a:xfrm>
+          <a:prstGeom prst="line">
+            <a:avLst/>
+          </a:prstGeom>
+          <a:ln w="12700">
+            <a:solidFill>
+              <a:schemeClr val="tx1"/>
+            </a:solidFill>
+            <a:headEnd type="triangle"/>
+            <a:tailEnd type="triangle"/>
+          </a:ln>
+        </p:spPr>
+        <p:style>
+          <a:lnRef idx="1">
+            <a:schemeClr val="accent1"/>
+          </a:lnRef>
+          <a:fillRef idx="0">
+            <a:schemeClr val="accent1"/>
+          </a:fillRef>
+          <a:effectRef idx="0">
+            <a:schemeClr val="accent1"/>
+          </a:effectRef>
+          <a:fontRef idx="minor">
+            <a:schemeClr val="tx1"/>
+          </a:fontRef>
+        </p:style>
+      </p:cxnSp>
+      <p:pic>
+        <p:nvPicPr>
+          <p:cNvPr id="25" name="Picture 180">
+            <a:extLst>
+              <a:ext uri="{FF2B5EF4-FFF2-40B4-BE49-F238E27FC236}">
+                <a16:creationId xmlns:a16="http://schemas.microsoft.com/office/drawing/2014/main" id="{D05A32D6-9429-4AD3-AD42-17D633933CD6}"/>
+              </a:ext>
+            </a:extLst>
+          </p:cNvPr>
+          <p:cNvPicPr>
+            <a:picLocks noChangeAspect="1"/>
+          </p:cNvPicPr>
+          <p:nvPr/>
+        </p:nvPicPr>
+        <p:blipFill rotWithShape="1">
+          <a:blip r:embed="rId6">
+            <a:extLst>
+              <a:ext uri="{28A0092B-C50C-407E-A947-70E740481C1C}">
+                <a14:useLocalDpi xmlns:a14="http://schemas.microsoft.com/office/drawing/2010/main" val="0"/>
+              </a:ext>
+            </a:extLst>
+          </a:blip>
+          <a:srcRect t="12384" b="16667"/>
+          <a:stretch/>
+        </p:blipFill>
+        <p:spPr>
+          <a:xfrm>
+            <a:off x="5565053" y="5711527"/>
+            <a:ext cx="932582" cy="661657"/>
+          </a:xfrm>
+          <a:prstGeom prst="rect">
+            <a:avLst/>
+          </a:prstGeom>
+        </p:spPr>
+      </p:pic>
+      <p:sp>
+        <p:nvSpPr>
+          <p:cNvPr id="26" name="กล่องข้อความ 25">
+            <a:extLst>
+              <a:ext uri="{FF2B5EF4-FFF2-40B4-BE49-F238E27FC236}">
+                <a16:creationId xmlns:a16="http://schemas.microsoft.com/office/drawing/2014/main" id="{00B99FE3-490D-41B9-97F9-FC6AFF11B66D}"/>
+              </a:ext>
+            </a:extLst>
+          </p:cNvPr>
+          <p:cNvSpPr txBox="1"/>
+          <p:nvPr/>
+        </p:nvSpPr>
+        <p:spPr>
+          <a:xfrm>
+            <a:off x="5277851" y="6369007"/>
+            <a:ext cx="1506985" cy="369332"/>
+          </a:xfrm>
+          <a:prstGeom prst="rect">
+            <a:avLst/>
+          </a:prstGeom>
+          <a:noFill/>
+        </p:spPr>
+        <p:txBody>
+          <a:bodyPr wrap="square">
+            <a:spAutoFit/>
+          </a:bodyPr>
+          <a:lstStyle/>
+          <a:p>
+            <a:pPr algn="ctr"/>
+            <a:r>
+              <a:rPr lang="en-US" sz="1800" b="1" dirty="0">
+                <a:latin typeface="TH Sarabun New" panose="020B0500040200020003" pitchFamily="34" charset="-34"/>
+                <a:cs typeface="TH Sarabun New" panose="020B0500040200020003" pitchFamily="34" charset="-34"/>
+              </a:rPr>
+              <a:t>Web Server</a:t>
+            </a:r>
+          </a:p>
+        </p:txBody>
+      </p:sp>
+      <p:sp>
+        <p:nvSpPr>
+          <p:cNvPr id="27" name="กล่องข้อความ 26">
+            <a:extLst>
+              <a:ext uri="{FF2B5EF4-FFF2-40B4-BE49-F238E27FC236}">
+                <a16:creationId xmlns:a16="http://schemas.microsoft.com/office/drawing/2014/main" id="{A10E99C2-F41D-4B4A-88BF-0E2632A2C155}"/>
+              </a:ext>
+            </a:extLst>
+          </p:cNvPr>
+          <p:cNvSpPr txBox="1"/>
+          <p:nvPr/>
+        </p:nvSpPr>
+        <p:spPr>
+          <a:xfrm>
+            <a:off x="5277850" y="4897015"/>
+            <a:ext cx="1506985" cy="369332"/>
+          </a:xfrm>
+          <a:prstGeom prst="rect">
+            <a:avLst/>
+          </a:prstGeom>
+          <a:noFill/>
+        </p:spPr>
+        <p:txBody>
+          <a:bodyPr wrap="square">
+            <a:spAutoFit/>
+          </a:bodyPr>
+          <a:lstStyle/>
+          <a:p>
+            <a:pPr algn="ctr"/>
+            <a:r>
+              <a:rPr lang="en-US" sz="1800" b="1" dirty="0">
+                <a:latin typeface="TH Sarabun New" panose="020B0500040200020003" pitchFamily="34" charset="-34"/>
+                <a:cs typeface="TH Sarabun New" panose="020B0500040200020003" pitchFamily="34" charset="-34"/>
+              </a:rPr>
+              <a:t>ESP32LoRa</a:t>
+            </a:r>
+          </a:p>
+        </p:txBody>
+      </p:sp>
+      <p:cxnSp>
+        <p:nvCxnSpPr>
+          <p:cNvPr id="29" name="ตัวเชื่อมต่อตรง 28">
+            <a:extLst>
+              <a:ext uri="{FF2B5EF4-FFF2-40B4-BE49-F238E27FC236}">
+                <a16:creationId xmlns:a16="http://schemas.microsoft.com/office/drawing/2014/main" id="{1DECD227-D70D-4E19-A6F3-0B1741BABF3F}"/>
+              </a:ext>
+            </a:extLst>
+          </p:cNvPr>
+          <p:cNvCxnSpPr>
+            <a:cxnSpLocks/>
+            <a:stCxn id="27" idx="2"/>
+          </p:cNvCxnSpPr>
+          <p:nvPr/>
+        </p:nvCxnSpPr>
+        <p:spPr>
+          <a:xfrm flipH="1">
+            <a:off x="6031342" y="5266347"/>
+            <a:ext cx="1" cy="356159"/>
+          </a:xfrm>
+          <a:prstGeom prst="line">
+            <a:avLst/>
+          </a:prstGeom>
+          <a:ln w="12700">
+            <a:solidFill>
+              <a:schemeClr val="tx1"/>
+            </a:solidFill>
+            <a:headEnd type="triangle"/>
+            <a:tailEnd type="none"/>
+          </a:ln>
+        </p:spPr>
+        <p:style>
+          <a:lnRef idx="1">
+            <a:schemeClr val="accent1"/>
+          </a:lnRef>
+          <a:fillRef idx="0">
+            <a:schemeClr val="accent1"/>
+          </a:fillRef>
+          <a:effectRef idx="0">
+            <a:schemeClr val="accent1"/>
+          </a:effectRef>
+          <a:fontRef idx="minor">
+            <a:schemeClr val="tx1"/>
+          </a:fontRef>
+        </p:style>
+      </p:cxnSp>
+      <p:cxnSp>
+        <p:nvCxnSpPr>
+          <p:cNvPr id="38" name="ลูกศรเชื่อมต่อแบบตรง 37">
+            <a:extLst>
+              <a:ext uri="{FF2B5EF4-FFF2-40B4-BE49-F238E27FC236}">
+                <a16:creationId xmlns:a16="http://schemas.microsoft.com/office/drawing/2014/main" id="{3F6E1F47-EA10-4DBA-A75E-A641F0971EAA}"/>
+              </a:ext>
+            </a:extLst>
+          </p:cNvPr>
+          <p:cNvCxnSpPr>
+            <a:cxnSpLocks/>
+          </p:cNvCxnSpPr>
+          <p:nvPr/>
+        </p:nvCxnSpPr>
+        <p:spPr>
+          <a:xfrm>
+            <a:off x="6497635" y="4235358"/>
+            <a:ext cx="476406" cy="0"/>
+          </a:xfrm>
+          <a:prstGeom prst="straightConnector1">
+            <a:avLst/>
+          </a:prstGeom>
+          <a:ln w="12700">
+            <a:solidFill>
+              <a:schemeClr val="tx1"/>
+            </a:solidFill>
+            <a:tailEnd type="triangle"/>
+          </a:ln>
+        </p:spPr>
+        <p:style>
+          <a:lnRef idx="1">
+            <a:schemeClr val="accent1"/>
+          </a:lnRef>
+          <a:fillRef idx="0">
+            <a:schemeClr val="accent1"/>
+          </a:fillRef>
+          <a:effectRef idx="0">
+            <a:schemeClr val="accent1"/>
+          </a:effectRef>
+          <a:fontRef idx="minor">
+            <a:schemeClr val="tx1"/>
+          </a:fontRef>
+        </p:style>
+      </p:cxnSp>
+      <p:pic>
+        <p:nvPicPr>
+          <p:cNvPr id="40" name="Picture 43">
+            <a:extLst>
+              <a:ext uri="{FF2B5EF4-FFF2-40B4-BE49-F238E27FC236}">
+                <a16:creationId xmlns:a16="http://schemas.microsoft.com/office/drawing/2014/main" id="{9B0D8BE4-295F-47E7-93D7-5F152117F3B9}"/>
+              </a:ext>
+            </a:extLst>
+          </p:cNvPr>
+          <p:cNvPicPr/>
+          <p:nvPr/>
+        </p:nvPicPr>
+        <p:blipFill rotWithShape="1">
+          <a:blip r:embed="rId7"/>
+          <a:srcRect l="1887" t="3535" r="1853" b="2277"/>
+          <a:stretch/>
+        </p:blipFill>
+        <p:spPr bwMode="auto">
+          <a:xfrm>
+            <a:off x="8839576" y="3669143"/>
+            <a:ext cx="1577784" cy="1024128"/>
+          </a:xfrm>
+          <a:prstGeom prst="rect">
+            <a:avLst/>
+          </a:prstGeom>
+          <a:ln>
+            <a:noFill/>
+          </a:ln>
+          <a:extLst>
+            <a:ext uri="{53640926-AAD7-44D8-BBD7-CCE9431645EC}">
+              <a14:shadowObscured xmlns:a14="http://schemas.microsoft.com/office/drawing/2010/main"/>
+            </a:ext>
+          </a:extLst>
+        </p:spPr>
+      </p:pic>
+      <p:cxnSp>
+        <p:nvCxnSpPr>
+          <p:cNvPr id="41" name="ลูกศรเชื่อมต่อแบบตรง 40">
+            <a:extLst>
+              <a:ext uri="{FF2B5EF4-FFF2-40B4-BE49-F238E27FC236}">
+                <a16:creationId xmlns:a16="http://schemas.microsoft.com/office/drawing/2014/main" id="{DA778281-4C14-47D8-B863-6EEAAAECE043}"/>
+              </a:ext>
+            </a:extLst>
+          </p:cNvPr>
+          <p:cNvCxnSpPr>
+            <a:cxnSpLocks/>
+          </p:cNvCxnSpPr>
+          <p:nvPr/>
+        </p:nvCxnSpPr>
+        <p:spPr>
+          <a:xfrm>
+            <a:off x="8257162" y="4235358"/>
+            <a:ext cx="476406" cy="0"/>
+          </a:xfrm>
+          <a:prstGeom prst="straightConnector1">
+            <a:avLst/>
+          </a:prstGeom>
+          <a:ln w="12700">
+            <a:solidFill>
+              <a:schemeClr val="tx1"/>
+            </a:solidFill>
+            <a:headEnd type="triangle"/>
+            <a:tailEnd type="none"/>
+          </a:ln>
+        </p:spPr>
+        <p:style>
+          <a:lnRef idx="1">
+            <a:schemeClr val="accent1"/>
+          </a:lnRef>
+          <a:fillRef idx="0">
+            <a:schemeClr val="accent1"/>
+          </a:fillRef>
+          <a:effectRef idx="0">
+            <a:schemeClr val="accent1"/>
+          </a:effectRef>
+          <a:fontRef idx="minor">
+            <a:schemeClr val="tx1"/>
+          </a:fontRef>
+        </p:style>
+      </p:cxnSp>
+      <p:sp>
+        <p:nvSpPr>
+          <p:cNvPr id="42" name="กล่องข้อความ 41">
+            <a:extLst>
+              <a:ext uri="{FF2B5EF4-FFF2-40B4-BE49-F238E27FC236}">
+                <a16:creationId xmlns:a16="http://schemas.microsoft.com/office/drawing/2014/main" id="{E4BE68B1-F110-4176-B16B-E65F6E4CD560}"/>
+              </a:ext>
+            </a:extLst>
+          </p:cNvPr>
+          <p:cNvSpPr txBox="1"/>
+          <p:nvPr/>
+        </p:nvSpPr>
+        <p:spPr>
+          <a:xfrm>
+            <a:off x="8874975" y="4678598"/>
+            <a:ext cx="1506985" cy="369332"/>
+          </a:xfrm>
+          <a:prstGeom prst="rect">
+            <a:avLst/>
+          </a:prstGeom>
+          <a:noFill/>
+        </p:spPr>
+        <p:txBody>
+          <a:bodyPr wrap="square">
+            <a:spAutoFit/>
+          </a:bodyPr>
+          <a:lstStyle/>
+          <a:p>
+            <a:pPr algn="ctr"/>
+            <a:r>
+              <a:rPr lang="en-US" sz="1800" b="1" dirty="0">
+                <a:latin typeface="TH Sarabun New" panose="020B0500040200020003" pitchFamily="34" charset="-34"/>
+                <a:cs typeface="TH Sarabun New" panose="020B0500040200020003" pitchFamily="34" charset="-34"/>
+              </a:rPr>
+              <a:t>Raspberry Pi 3 b </a:t>
+            </a:r>
+          </a:p>
+        </p:txBody>
+      </p:sp>
+      <p:pic>
+        <p:nvPicPr>
+          <p:cNvPr id="43" name="Picture 185">
+            <a:extLst>
+              <a:ext uri="{FF2B5EF4-FFF2-40B4-BE49-F238E27FC236}">
+                <a16:creationId xmlns:a16="http://schemas.microsoft.com/office/drawing/2014/main" id="{A9D8E45B-C292-4462-B21F-F9B161B2CD64}"/>
+              </a:ext>
+            </a:extLst>
+          </p:cNvPr>
+          <p:cNvPicPr>
+            <a:picLocks noChangeAspect="1"/>
+          </p:cNvPicPr>
+          <p:nvPr/>
+        </p:nvPicPr>
+        <p:blipFill rotWithShape="1">
+          <a:blip r:embed="rId8">
+            <a:extLst>
+              <a:ext uri="{28A0092B-C50C-407E-A947-70E740481C1C}">
+                <a14:useLocalDpi xmlns:a14="http://schemas.microsoft.com/office/drawing/2010/main" val="0"/>
+              </a:ext>
+            </a:extLst>
+          </a:blip>
+          <a:srcRect l="10583" r="11709"/>
+          <a:stretch/>
+        </p:blipFill>
+        <p:spPr>
+          <a:xfrm>
+            <a:off x="9385886" y="5711526"/>
+            <a:ext cx="506259" cy="651493"/>
+          </a:xfrm>
+          <a:prstGeom prst="rect">
+            <a:avLst/>
+          </a:prstGeom>
+        </p:spPr>
+      </p:pic>
+      <p:sp>
+        <p:nvSpPr>
+          <p:cNvPr id="44" name="กล่องข้อความ 43">
+            <a:extLst>
+              <a:ext uri="{FF2B5EF4-FFF2-40B4-BE49-F238E27FC236}">
+                <a16:creationId xmlns:a16="http://schemas.microsoft.com/office/drawing/2014/main" id="{7C089544-9782-491D-88C5-3836C578E97D}"/>
+              </a:ext>
+            </a:extLst>
+          </p:cNvPr>
+          <p:cNvSpPr txBox="1"/>
+          <p:nvPr/>
+        </p:nvSpPr>
+        <p:spPr>
+          <a:xfrm>
+            <a:off x="8885522" y="6363019"/>
+            <a:ext cx="1506985" cy="369332"/>
+          </a:xfrm>
+          <a:prstGeom prst="rect">
+            <a:avLst/>
+          </a:prstGeom>
+          <a:noFill/>
+        </p:spPr>
+        <p:txBody>
+          <a:bodyPr wrap="square">
+            <a:spAutoFit/>
+          </a:bodyPr>
+          <a:lstStyle/>
+          <a:p>
+            <a:pPr algn="ctr"/>
+            <a:r>
+              <a:rPr lang="en-US" sz="1800" b="1" dirty="0">
+                <a:latin typeface="TH Sarabun New" panose="020B0500040200020003" pitchFamily="34" charset="-34"/>
+                <a:cs typeface="TH Sarabun New" panose="020B0500040200020003" pitchFamily="34" charset="-34"/>
+              </a:rPr>
+              <a:t>Database</a:t>
+            </a:r>
+          </a:p>
+        </p:txBody>
+      </p:sp>
+      <p:cxnSp>
+        <p:nvCxnSpPr>
+          <p:cNvPr id="45" name="ตัวเชื่อมต่อตรง 44">
+            <a:extLst>
+              <a:ext uri="{FF2B5EF4-FFF2-40B4-BE49-F238E27FC236}">
+                <a16:creationId xmlns:a16="http://schemas.microsoft.com/office/drawing/2014/main" id="{F52BB266-D848-4A38-92CE-DCEB007B9FCE}"/>
+              </a:ext>
+            </a:extLst>
+          </p:cNvPr>
+          <p:cNvCxnSpPr>
+            <a:cxnSpLocks/>
+          </p:cNvCxnSpPr>
+          <p:nvPr/>
+        </p:nvCxnSpPr>
+        <p:spPr>
+          <a:xfrm flipH="1">
+            <a:off x="9628466" y="5224331"/>
+            <a:ext cx="1" cy="356159"/>
+          </a:xfrm>
+          <a:prstGeom prst="line">
+            <a:avLst/>
+          </a:prstGeom>
+          <a:ln w="12700">
+            <a:solidFill>
+              <a:schemeClr val="tx1"/>
+            </a:solidFill>
+            <a:headEnd type="triangle"/>
+            <a:tailEnd type="none"/>
+          </a:ln>
+        </p:spPr>
+        <p:style>
+          <a:lnRef idx="1">
+            <a:schemeClr val="accent1"/>
+          </a:lnRef>
+          <a:fillRef idx="0">
+            <a:schemeClr val="accent1"/>
+          </a:fillRef>
+          <a:effectRef idx="0">
+            <a:schemeClr val="accent1"/>
+          </a:effectRef>
+          <a:fontRef idx="minor">
+            <a:schemeClr val="tx1"/>
+          </a:fontRef>
+        </p:style>
+      </p:cxnSp>
+      <p:sp>
+        <p:nvSpPr>
+          <p:cNvPr id="48" name="กล่องข้อความ 47">
+            <a:extLst>
+              <a:ext uri="{FF2B5EF4-FFF2-40B4-BE49-F238E27FC236}">
+                <a16:creationId xmlns:a16="http://schemas.microsoft.com/office/drawing/2014/main" id="{A1C55CA6-13CD-4D82-B5A7-96D792A9DB85}"/>
+              </a:ext>
+            </a:extLst>
+          </p:cNvPr>
+          <p:cNvSpPr txBox="1"/>
+          <p:nvPr/>
+        </p:nvSpPr>
+        <p:spPr>
+          <a:xfrm>
+            <a:off x="6850122" y="2556467"/>
+            <a:ext cx="1506985" cy="369332"/>
+          </a:xfrm>
+          <a:prstGeom prst="rect">
+            <a:avLst/>
+          </a:prstGeom>
+          <a:noFill/>
+        </p:spPr>
+        <p:txBody>
+          <a:bodyPr wrap="square">
+            <a:spAutoFit/>
+          </a:bodyPr>
+          <a:lstStyle/>
+          <a:p>
+            <a:pPr algn="ctr"/>
+            <a:r>
+              <a:rPr lang="en-US" sz="1800" b="1" dirty="0">
+                <a:latin typeface="TH Sarabun New" panose="020B0500040200020003" pitchFamily="34" charset="-34"/>
+                <a:cs typeface="TH Sarabun New" panose="020B0500040200020003" pitchFamily="34" charset="-34"/>
+              </a:rPr>
+              <a:t>Internet</a:t>
+            </a:r>
+          </a:p>
+        </p:txBody>
+      </p:sp>
+      <p:cxnSp>
+        <p:nvCxnSpPr>
+          <p:cNvPr id="50" name="ลูกศรเชื่อมต่อแบบตรง 49">
+            <a:extLst>
+              <a:ext uri="{FF2B5EF4-FFF2-40B4-BE49-F238E27FC236}">
+                <a16:creationId xmlns:a16="http://schemas.microsoft.com/office/drawing/2014/main" id="{A14CD430-8190-4468-B4E2-20E490A4B01F}"/>
+              </a:ext>
+            </a:extLst>
+          </p:cNvPr>
+          <p:cNvCxnSpPr>
+            <a:cxnSpLocks/>
+            <a:stCxn id="18" idx="0"/>
+            <a:endCxn id="48" idx="2"/>
+          </p:cNvCxnSpPr>
+          <p:nvPr/>
+        </p:nvCxnSpPr>
+        <p:spPr>
+          <a:xfrm flipH="1" flipV="1">
+            <a:off x="7603615" y="2925799"/>
+            <a:ext cx="2" cy="439559"/>
+          </a:xfrm>
+          <a:prstGeom prst="straightConnector1">
+            <a:avLst/>
+          </a:prstGeom>
+          <a:ln w="12700">
+            <a:solidFill>
+              <a:schemeClr val="tx1"/>
+            </a:solidFill>
+            <a:headEnd type="triangle"/>
+            <a:tailEnd type="triangle"/>
+          </a:ln>
+        </p:spPr>
+        <p:style>
+          <a:lnRef idx="1">
+            <a:schemeClr val="accent1"/>
+          </a:lnRef>
+          <a:fillRef idx="0">
+            <a:schemeClr val="accent1"/>
+          </a:fillRef>
+          <a:effectRef idx="0">
+            <a:schemeClr val="accent1"/>
+          </a:effectRef>
+          <a:fontRef idx="minor">
+            <a:schemeClr val="tx1"/>
+          </a:fontRef>
+        </p:style>
+      </p:cxnSp>
+      <p:pic>
+        <p:nvPicPr>
+          <p:cNvPr id="52" name="Picture 162">
+            <a:extLst>
+              <a:ext uri="{FF2B5EF4-FFF2-40B4-BE49-F238E27FC236}">
+                <a16:creationId xmlns:a16="http://schemas.microsoft.com/office/drawing/2014/main" id="{0025A871-B52A-4B03-BF65-DB8B6DF61454}"/>
+              </a:ext>
+            </a:extLst>
+          </p:cNvPr>
+          <p:cNvPicPr>
+            <a:picLocks noChangeAspect="1"/>
+          </p:cNvPicPr>
+          <p:nvPr/>
+        </p:nvPicPr>
+        <p:blipFill rotWithShape="1">
+          <a:blip r:embed="rId9">
+            <a:extLst>
+              <a:ext uri="{28A0092B-C50C-407E-A947-70E740481C1C}">
+                <a14:useLocalDpi xmlns:a14="http://schemas.microsoft.com/office/drawing/2010/main" val="0"/>
+              </a:ext>
+            </a:extLst>
+          </a:blip>
+          <a:srcRect t="13875" b="12652"/>
+          <a:stretch/>
+        </p:blipFill>
+        <p:spPr>
+          <a:xfrm>
+            <a:off x="5369061" y="1727172"/>
+            <a:ext cx="1128574" cy="829197"/>
+          </a:xfrm>
+          <a:prstGeom prst="rect">
+            <a:avLst/>
+          </a:prstGeom>
+        </p:spPr>
+      </p:pic>
+      <p:pic>
+        <p:nvPicPr>
+          <p:cNvPr id="53" name="Picture 164">
+            <a:extLst>
+              <a:ext uri="{FF2B5EF4-FFF2-40B4-BE49-F238E27FC236}">
+                <a16:creationId xmlns:a16="http://schemas.microsoft.com/office/drawing/2014/main" id="{BC2BC0EB-CA3E-44FC-A379-CBE32B9001D9}"/>
+              </a:ext>
+            </a:extLst>
+          </p:cNvPr>
+          <p:cNvPicPr>
+            <a:picLocks noChangeAspect="1"/>
+          </p:cNvPicPr>
+          <p:nvPr/>
+        </p:nvPicPr>
+        <p:blipFill>
+          <a:blip r:embed="rId10">
+            <a:extLst>
+              <a:ext uri="{28A0092B-C50C-407E-A947-70E740481C1C}">
+                <a14:useLocalDpi xmlns:a14="http://schemas.microsoft.com/office/drawing/2010/main" val="0"/>
+              </a:ext>
+            </a:extLst>
+          </a:blip>
+          <a:stretch>
+            <a:fillRect/>
+          </a:stretch>
+        </p:blipFill>
+        <p:spPr>
+          <a:xfrm>
+            <a:off x="5605539" y="2041301"/>
+            <a:ext cx="655617" cy="301069"/>
+          </a:xfrm>
+          <a:prstGeom prst="rect">
+            <a:avLst/>
+          </a:prstGeom>
+        </p:spPr>
+      </p:pic>
+      <p:pic>
+        <p:nvPicPr>
+          <p:cNvPr id="54" name="Picture 142">
+            <a:extLst>
+              <a:ext uri="{FF2B5EF4-FFF2-40B4-BE49-F238E27FC236}">
+                <a16:creationId xmlns:a16="http://schemas.microsoft.com/office/drawing/2014/main" id="{AEA16737-835A-4922-B44E-9D61E480FF99}"/>
+              </a:ext>
+            </a:extLst>
+          </p:cNvPr>
+          <p:cNvPicPr>
+            <a:picLocks noChangeAspect="1"/>
+          </p:cNvPicPr>
+          <p:nvPr/>
+        </p:nvPicPr>
+        <p:blipFill rotWithShape="1">
+          <a:blip r:embed="rId9">
+            <a:extLst>
+              <a:ext uri="{28A0092B-C50C-407E-A947-70E740481C1C}">
+                <a14:useLocalDpi xmlns:a14="http://schemas.microsoft.com/office/drawing/2010/main" val="0"/>
+              </a:ext>
+            </a:extLst>
+          </a:blip>
+          <a:srcRect t="13875" b="12652"/>
+          <a:stretch/>
+        </p:blipFill>
+        <p:spPr>
+          <a:xfrm>
+            <a:off x="8709596" y="1727172"/>
+            <a:ext cx="1128574" cy="829197"/>
+          </a:xfrm>
+          <a:prstGeom prst="rect">
+            <a:avLst/>
+          </a:prstGeom>
+        </p:spPr>
+      </p:pic>
+      <p:pic>
+        <p:nvPicPr>
+          <p:cNvPr id="55" name="Picture 146">
+            <a:extLst>
+              <a:ext uri="{FF2B5EF4-FFF2-40B4-BE49-F238E27FC236}">
+                <a16:creationId xmlns:a16="http://schemas.microsoft.com/office/drawing/2014/main" id="{52187015-446F-4587-91C5-99B55DADB2B4}"/>
+              </a:ext>
+            </a:extLst>
+          </p:cNvPr>
+          <p:cNvPicPr>
+            <a:picLocks noChangeAspect="1"/>
+          </p:cNvPicPr>
+          <p:nvPr/>
+        </p:nvPicPr>
+        <p:blipFill>
+          <a:blip r:embed="rId11">
+            <a:extLst>
+              <a:ext uri="{28A0092B-C50C-407E-A947-70E740481C1C}">
+                <a14:useLocalDpi xmlns:a14="http://schemas.microsoft.com/office/drawing/2010/main" val="0"/>
+              </a:ext>
+            </a:extLst>
+          </a:blip>
+          <a:stretch>
+            <a:fillRect/>
+          </a:stretch>
+        </p:blipFill>
+        <p:spPr>
+          <a:xfrm>
+            <a:off x="9003163" y="1889522"/>
+            <a:ext cx="541440" cy="541440"/>
+          </a:xfrm>
+          <a:prstGeom prst="rect">
+            <a:avLst/>
+          </a:prstGeom>
+        </p:spPr>
+      </p:pic>
+      <p:cxnSp>
+        <p:nvCxnSpPr>
+          <p:cNvPr id="60" name="ลูกศรเชื่อมต่อแบบตรง 59">
+            <a:extLst>
+              <a:ext uri="{FF2B5EF4-FFF2-40B4-BE49-F238E27FC236}">
+                <a16:creationId xmlns:a16="http://schemas.microsoft.com/office/drawing/2014/main" id="{C863F8EC-19FB-4610-BE01-8E4C3494BAAC}"/>
+              </a:ext>
+            </a:extLst>
+          </p:cNvPr>
+          <p:cNvCxnSpPr>
+            <a:cxnSpLocks/>
+          </p:cNvCxnSpPr>
+          <p:nvPr/>
+        </p:nvCxnSpPr>
+        <p:spPr>
+          <a:xfrm>
+            <a:off x="8118904" y="2217212"/>
+            <a:ext cx="476406" cy="0"/>
+          </a:xfrm>
+          <a:prstGeom prst="straightConnector1">
+            <a:avLst/>
+          </a:prstGeom>
+          <a:ln w="12700">
+            <a:solidFill>
+              <a:schemeClr val="tx1"/>
+            </a:solidFill>
+            <a:tailEnd type="triangle"/>
+          </a:ln>
+        </p:spPr>
+        <p:style>
+          <a:lnRef idx="1">
+            <a:schemeClr val="accent1"/>
+          </a:lnRef>
+          <a:fillRef idx="0">
+            <a:schemeClr val="accent1"/>
+          </a:fillRef>
+          <a:effectRef idx="0">
+            <a:schemeClr val="accent1"/>
+          </a:effectRef>
+          <a:fontRef idx="minor">
+            <a:schemeClr val="tx1"/>
+          </a:fontRef>
+        </p:style>
+      </p:cxnSp>
+      <p:sp>
+        <p:nvSpPr>
+          <p:cNvPr id="61" name="กล่องข้อความ 60">
+            <a:extLst>
+              <a:ext uri="{FF2B5EF4-FFF2-40B4-BE49-F238E27FC236}">
+                <a16:creationId xmlns:a16="http://schemas.microsoft.com/office/drawing/2014/main" id="{0CF76417-3A9D-4D75-AAF5-C4C392061108}"/>
+              </a:ext>
+            </a:extLst>
+          </p:cNvPr>
+          <p:cNvSpPr txBox="1"/>
+          <p:nvPr/>
+        </p:nvSpPr>
+        <p:spPr>
+          <a:xfrm>
+            <a:off x="8477705" y="2511477"/>
+            <a:ext cx="1577782" cy="369332"/>
+          </a:xfrm>
+          <a:prstGeom prst="rect">
+            <a:avLst/>
+          </a:prstGeom>
+          <a:noFill/>
+        </p:spPr>
+        <p:txBody>
+          <a:bodyPr wrap="square">
+            <a:spAutoFit/>
+          </a:bodyPr>
+          <a:lstStyle/>
+          <a:p>
+            <a:pPr algn="ctr"/>
+            <a:r>
+              <a:rPr lang="en-US" sz="1800" b="1" dirty="0">
+                <a:latin typeface="TH Sarabun New" panose="020B0500040200020003" pitchFamily="34" charset="-34"/>
+                <a:cs typeface="TH Sarabun New" panose="020B0500040200020003" pitchFamily="34" charset="-34"/>
+              </a:rPr>
+              <a:t>Line Notify Service</a:t>
+            </a:r>
+          </a:p>
+        </p:txBody>
+      </p:sp>
+      <p:sp>
+        <p:nvSpPr>
+          <p:cNvPr id="64" name="กล่องข้อความ 63">
+            <a:extLst>
+              <a:ext uri="{FF2B5EF4-FFF2-40B4-BE49-F238E27FC236}">
+                <a16:creationId xmlns:a16="http://schemas.microsoft.com/office/drawing/2014/main" id="{9AAD7E95-1F2C-4D38-8CB2-58C13FEF7798}"/>
+              </a:ext>
+            </a:extLst>
+          </p:cNvPr>
+          <p:cNvSpPr txBox="1"/>
+          <p:nvPr/>
+        </p:nvSpPr>
+        <p:spPr>
+          <a:xfrm>
+            <a:off x="5156395" y="2511037"/>
+            <a:ext cx="1577782" cy="369332"/>
+          </a:xfrm>
+          <a:prstGeom prst="rect">
+            <a:avLst/>
+          </a:prstGeom>
+          <a:noFill/>
+        </p:spPr>
+        <p:txBody>
+          <a:bodyPr wrap="square">
+            <a:spAutoFit/>
+          </a:bodyPr>
+          <a:lstStyle/>
+          <a:p>
+            <a:pPr algn="ctr"/>
+            <a:r>
+              <a:rPr lang="en-US" sz="1800" b="1" dirty="0">
+                <a:latin typeface="TH Sarabun New" panose="020B0500040200020003" pitchFamily="34" charset="-34"/>
+                <a:cs typeface="TH Sarabun New" panose="020B0500040200020003" pitchFamily="34" charset="-34"/>
+              </a:rPr>
+              <a:t>NGROK</a:t>
+            </a:r>
+          </a:p>
+        </p:txBody>
+      </p:sp>
+      <p:cxnSp>
+        <p:nvCxnSpPr>
+          <p:cNvPr id="65" name="ลูกศรเชื่อมต่อแบบตรง 64">
+            <a:extLst>
+              <a:ext uri="{FF2B5EF4-FFF2-40B4-BE49-F238E27FC236}">
+                <a16:creationId xmlns:a16="http://schemas.microsoft.com/office/drawing/2014/main" id="{9C498726-0DC8-446E-9451-83583D34F274}"/>
+              </a:ext>
+            </a:extLst>
+          </p:cNvPr>
+          <p:cNvCxnSpPr>
+            <a:cxnSpLocks/>
+          </p:cNvCxnSpPr>
+          <p:nvPr/>
+        </p:nvCxnSpPr>
+        <p:spPr>
+          <a:xfrm>
+            <a:off x="6611919" y="2217212"/>
+            <a:ext cx="476406" cy="0"/>
+          </a:xfrm>
+          <a:prstGeom prst="straightConnector1">
+            <a:avLst/>
+          </a:prstGeom>
+          <a:ln w="12700">
+            <a:solidFill>
+              <a:schemeClr val="tx1"/>
+            </a:solidFill>
+            <a:headEnd type="triangle"/>
+            <a:tailEnd type="triangle"/>
+          </a:ln>
+        </p:spPr>
+        <p:style>
+          <a:lnRef idx="1">
+            <a:schemeClr val="accent1"/>
+          </a:lnRef>
+          <a:fillRef idx="0">
+            <a:schemeClr val="accent1"/>
+          </a:fillRef>
+          <a:effectRef idx="0">
+            <a:schemeClr val="accent1"/>
+          </a:effectRef>
+          <a:fontRef idx="minor">
+            <a:schemeClr val="tx1"/>
+          </a:fontRef>
+        </p:style>
+      </p:cxnSp>
+      <p:pic>
+        <p:nvPicPr>
+          <p:cNvPr id="66" name="Picture 154">
+            <a:extLst>
+              <a:ext uri="{FF2B5EF4-FFF2-40B4-BE49-F238E27FC236}">
+                <a16:creationId xmlns:a16="http://schemas.microsoft.com/office/drawing/2014/main" id="{30C967E3-FD15-45A4-BDBE-817CCE58C87F}"/>
+              </a:ext>
+            </a:extLst>
+          </p:cNvPr>
+          <p:cNvPicPr>
+            <a:picLocks noChangeAspect="1"/>
+          </p:cNvPicPr>
+          <p:nvPr/>
+        </p:nvPicPr>
+        <p:blipFill rotWithShape="1">
+          <a:blip r:embed="rId12">
+            <a:extLst>
+              <a:ext uri="{28A0092B-C50C-407E-A947-70E740481C1C}">
+                <a14:useLocalDpi xmlns:a14="http://schemas.microsoft.com/office/drawing/2010/main" val="0"/>
+              </a:ext>
+            </a:extLst>
+          </a:blip>
+          <a:srcRect l="13805" t="14235" r="13885" b="14274"/>
+          <a:stretch/>
+        </p:blipFill>
+        <p:spPr>
+          <a:xfrm>
+            <a:off x="9002055" y="342126"/>
+            <a:ext cx="638357" cy="631125"/>
+          </a:xfrm>
+          <a:prstGeom prst="rect">
+            <a:avLst/>
+          </a:prstGeom>
+        </p:spPr>
+      </p:pic>
+      <p:sp>
+        <p:nvSpPr>
+          <p:cNvPr id="67" name="กล่องข้อความ 66">
+            <a:extLst>
+              <a:ext uri="{FF2B5EF4-FFF2-40B4-BE49-F238E27FC236}">
+                <a16:creationId xmlns:a16="http://schemas.microsoft.com/office/drawing/2014/main" id="{6CC65179-1C41-4408-BC31-13F724406D3E}"/>
+              </a:ext>
+            </a:extLst>
+          </p:cNvPr>
+          <p:cNvSpPr txBox="1"/>
+          <p:nvPr/>
+        </p:nvSpPr>
+        <p:spPr>
+          <a:xfrm>
+            <a:off x="8532342" y="1005766"/>
+            <a:ext cx="1577782" cy="369332"/>
+          </a:xfrm>
+          <a:prstGeom prst="rect">
+            <a:avLst/>
+          </a:prstGeom>
+          <a:noFill/>
+        </p:spPr>
+        <p:txBody>
+          <a:bodyPr wrap="square">
+            <a:spAutoFit/>
+          </a:bodyPr>
+          <a:lstStyle/>
+          <a:p>
+            <a:pPr algn="ctr"/>
+            <a:r>
+              <a:rPr lang="en-US" sz="1800" b="1" dirty="0">
+                <a:latin typeface="TH Sarabun New" panose="020B0500040200020003" pitchFamily="34" charset="-34"/>
+                <a:cs typeface="TH Sarabun New" panose="020B0500040200020003" pitchFamily="34" charset="-34"/>
+              </a:rPr>
+              <a:t>Line Application</a:t>
+            </a:r>
+          </a:p>
+        </p:txBody>
+      </p:sp>
+      <p:cxnSp>
+        <p:nvCxnSpPr>
+          <p:cNvPr id="68" name="ตัวเชื่อมต่อตรง 67">
+            <a:extLst>
+              <a:ext uri="{FF2B5EF4-FFF2-40B4-BE49-F238E27FC236}">
+                <a16:creationId xmlns:a16="http://schemas.microsoft.com/office/drawing/2014/main" id="{741A908B-4C7D-418E-A216-F697FDD2E2EE}"/>
+              </a:ext>
+            </a:extLst>
+          </p:cNvPr>
+          <p:cNvCxnSpPr>
+            <a:cxnSpLocks/>
+          </p:cNvCxnSpPr>
+          <p:nvPr/>
+        </p:nvCxnSpPr>
+        <p:spPr>
+          <a:xfrm flipH="1">
+            <a:off x="9311997" y="1336869"/>
+            <a:ext cx="1" cy="288952"/>
+          </a:xfrm>
+          <a:prstGeom prst="line">
+            <a:avLst/>
+          </a:prstGeom>
+          <a:ln w="12700">
+            <a:solidFill>
+              <a:schemeClr val="tx1"/>
+            </a:solidFill>
+            <a:headEnd type="triangle"/>
+            <a:tailEnd type="none"/>
+          </a:ln>
+        </p:spPr>
+        <p:style>
+          <a:lnRef idx="1">
+            <a:schemeClr val="accent1"/>
+          </a:lnRef>
+          <a:fillRef idx="0">
+            <a:schemeClr val="accent1"/>
+          </a:fillRef>
+          <a:effectRef idx="0">
+            <a:schemeClr val="accent1"/>
+          </a:effectRef>
+          <a:fontRef idx="minor">
+            <a:schemeClr val="tx1"/>
+          </a:fontRef>
+        </p:style>
+      </p:cxnSp>
+      <p:pic>
+        <p:nvPicPr>
+          <p:cNvPr id="70" name="Picture 169">
+            <a:extLst>
+              <a:ext uri="{FF2B5EF4-FFF2-40B4-BE49-F238E27FC236}">
+                <a16:creationId xmlns:a16="http://schemas.microsoft.com/office/drawing/2014/main" id="{A2E99F9A-7954-4D67-8781-8FA938340EDD}"/>
+              </a:ext>
+            </a:extLst>
+          </p:cNvPr>
+          <p:cNvPicPr>
+            <a:picLocks noChangeAspect="1"/>
+          </p:cNvPicPr>
+          <p:nvPr/>
+        </p:nvPicPr>
+        <p:blipFill>
+          <a:blip r:embed="rId13">
+            <a:extLst>
+              <a:ext uri="{28A0092B-C50C-407E-A947-70E740481C1C}">
+                <a14:useLocalDpi xmlns:a14="http://schemas.microsoft.com/office/drawing/2010/main" val="0"/>
+              </a:ext>
+            </a:extLst>
+          </a:blip>
+          <a:stretch>
+            <a:fillRect/>
+          </a:stretch>
+        </p:blipFill>
+        <p:spPr>
+          <a:xfrm>
+            <a:off x="5560244" y="303057"/>
+            <a:ext cx="737983" cy="737983"/>
+          </a:xfrm>
+          <a:prstGeom prst="rect">
+            <a:avLst/>
+          </a:prstGeom>
+        </p:spPr>
+      </p:pic>
+      <p:sp>
+        <p:nvSpPr>
+          <p:cNvPr id="71" name="กล่องข้อความ 70">
+            <a:extLst>
+              <a:ext uri="{FF2B5EF4-FFF2-40B4-BE49-F238E27FC236}">
+                <a16:creationId xmlns:a16="http://schemas.microsoft.com/office/drawing/2014/main" id="{221CB119-88AB-4985-A83F-F269280B4762}"/>
+              </a:ext>
+            </a:extLst>
+          </p:cNvPr>
+          <p:cNvSpPr txBox="1"/>
+          <p:nvPr/>
+        </p:nvSpPr>
+        <p:spPr>
+          <a:xfrm>
+            <a:off x="5140344" y="1010307"/>
+            <a:ext cx="1577782" cy="369332"/>
+          </a:xfrm>
+          <a:prstGeom prst="rect">
+            <a:avLst/>
+          </a:prstGeom>
+          <a:noFill/>
+        </p:spPr>
+        <p:txBody>
+          <a:bodyPr wrap="square">
+            <a:spAutoFit/>
+          </a:bodyPr>
+          <a:lstStyle/>
+          <a:p>
+            <a:pPr algn="ctr"/>
+            <a:r>
+              <a:rPr lang="en-US" b="1" dirty="0">
+                <a:latin typeface="TH Sarabun New" panose="020B0500040200020003" pitchFamily="34" charset="-34"/>
+                <a:cs typeface="TH Sarabun New" panose="020B0500040200020003" pitchFamily="34" charset="-34"/>
+              </a:rPr>
+              <a:t>Web</a:t>
+            </a:r>
+            <a:r>
+              <a:rPr lang="en-US" sz="1800" b="1" dirty="0">
+                <a:latin typeface="TH Sarabun New" panose="020B0500040200020003" pitchFamily="34" charset="-34"/>
+                <a:cs typeface="TH Sarabun New" panose="020B0500040200020003" pitchFamily="34" charset="-34"/>
+              </a:rPr>
+              <a:t> Application</a:t>
+            </a:r>
+          </a:p>
+        </p:txBody>
+      </p:sp>
+      <p:cxnSp>
+        <p:nvCxnSpPr>
+          <p:cNvPr id="72" name="ตัวเชื่อมต่อตรง 71">
+            <a:extLst>
+              <a:ext uri="{FF2B5EF4-FFF2-40B4-BE49-F238E27FC236}">
+                <a16:creationId xmlns:a16="http://schemas.microsoft.com/office/drawing/2014/main" id="{AF6A0798-1ED8-4B35-A082-C5E7ADAED9AD}"/>
+              </a:ext>
+            </a:extLst>
+          </p:cNvPr>
+          <p:cNvCxnSpPr>
+            <a:cxnSpLocks/>
+          </p:cNvCxnSpPr>
+          <p:nvPr/>
+        </p:nvCxnSpPr>
+        <p:spPr>
+          <a:xfrm flipH="1">
+            <a:off x="5929235" y="1298142"/>
+            <a:ext cx="1" cy="364623"/>
+          </a:xfrm>
+          <a:prstGeom prst="line">
+            <a:avLst/>
+          </a:prstGeom>
+          <a:ln w="12700">
+            <a:solidFill>
+              <a:schemeClr val="tx1"/>
+            </a:solidFill>
+            <a:headEnd type="triangle"/>
+            <a:tailEnd type="triangle"/>
+          </a:ln>
+        </p:spPr>
+        <p:style>
+          <a:lnRef idx="1">
+            <a:schemeClr val="accent1"/>
+          </a:lnRef>
+          <a:fillRef idx="0">
+            <a:schemeClr val="accent1"/>
+          </a:fillRef>
+          <a:effectRef idx="0">
+            <a:schemeClr val="accent1"/>
+          </a:effectRef>
+          <a:fontRef idx="minor">
+            <a:schemeClr val="tx1"/>
+          </a:fontRef>
+        </p:style>
+      </p:cxnSp>
+      <p:pic>
+        <p:nvPicPr>
+          <p:cNvPr id="77" name="Picture 108">
+            <a:extLst>
+              <a:ext uri="{FF2B5EF4-FFF2-40B4-BE49-F238E27FC236}">
+                <a16:creationId xmlns:a16="http://schemas.microsoft.com/office/drawing/2014/main" id="{05FB631A-A557-4BF1-829E-97239334099E}"/>
+              </a:ext>
+            </a:extLst>
+          </p:cNvPr>
+          <p:cNvPicPr>
+            <a:picLocks noChangeAspect="1"/>
+          </p:cNvPicPr>
+          <p:nvPr/>
+        </p:nvPicPr>
+        <p:blipFill rotWithShape="1">
+          <a:blip r:embed="rId14">
+            <a:extLst>
+              <a:ext uri="{28A0092B-C50C-407E-A947-70E740481C1C}">
+                <a14:useLocalDpi xmlns:a14="http://schemas.microsoft.com/office/drawing/2010/main" val="0"/>
+              </a:ext>
+            </a:extLst>
+          </a:blip>
+          <a:srcRect t="11941" b="10391"/>
+          <a:stretch/>
+        </p:blipFill>
+        <p:spPr>
+          <a:xfrm>
+            <a:off x="6997999" y="5743782"/>
+            <a:ext cx="1152335" cy="619237"/>
+          </a:xfrm>
+          <a:prstGeom prst="rect">
+            <a:avLst/>
+          </a:prstGeom>
+        </p:spPr>
+      </p:pic>
+      <p:pic>
+        <p:nvPicPr>
+          <p:cNvPr id="78" name="Picture 114">
+            <a:extLst>
+              <a:ext uri="{FF2B5EF4-FFF2-40B4-BE49-F238E27FC236}">
+                <a16:creationId xmlns:a16="http://schemas.microsoft.com/office/drawing/2014/main" id="{66598E1E-32DF-4D0C-B331-B92E222F84D4}"/>
+              </a:ext>
+            </a:extLst>
+          </p:cNvPr>
+          <p:cNvPicPr>
+            <a:picLocks noChangeAspect="1"/>
+          </p:cNvPicPr>
+          <p:nvPr/>
+        </p:nvPicPr>
+        <p:blipFill>
+          <a:blip r:embed="rId15">
+            <a:extLst>
+              <a:ext uri="{28A0092B-C50C-407E-A947-70E740481C1C}">
+                <a14:useLocalDpi xmlns:a14="http://schemas.microsoft.com/office/drawing/2010/main" val="0"/>
+              </a:ext>
+            </a:extLst>
+          </a:blip>
+          <a:stretch>
+            <a:fillRect/>
+          </a:stretch>
+        </p:blipFill>
+        <p:spPr>
+          <a:xfrm>
+            <a:off x="7353980" y="5826783"/>
+            <a:ext cx="446486" cy="330165"/>
+          </a:xfrm>
+          <a:prstGeom prst="rect">
+            <a:avLst/>
+          </a:prstGeom>
+        </p:spPr>
+      </p:pic>
+      <p:sp>
+        <p:nvSpPr>
+          <p:cNvPr id="79" name="กล่องข้อความ 78">
+            <a:extLst>
+              <a:ext uri="{FF2B5EF4-FFF2-40B4-BE49-F238E27FC236}">
+                <a16:creationId xmlns:a16="http://schemas.microsoft.com/office/drawing/2014/main" id="{70B9C435-6285-4A9E-9641-79DF21C97135}"/>
+              </a:ext>
+            </a:extLst>
+          </p:cNvPr>
+          <p:cNvSpPr txBox="1"/>
+          <p:nvPr/>
+        </p:nvSpPr>
+        <p:spPr>
+          <a:xfrm>
+            <a:off x="6718126" y="6363019"/>
+            <a:ext cx="1745189" cy="369332"/>
+          </a:xfrm>
+          <a:prstGeom prst="rect">
+            <a:avLst/>
+          </a:prstGeom>
+          <a:noFill/>
+        </p:spPr>
+        <p:txBody>
+          <a:bodyPr wrap="square">
+            <a:spAutoFit/>
+          </a:bodyPr>
+          <a:lstStyle/>
+          <a:p>
+            <a:pPr algn="ctr"/>
+            <a:r>
+              <a:rPr lang="en-US" sz="1800" b="1" dirty="0">
+                <a:latin typeface="TH Sarabun New" panose="020B0500040200020003" pitchFamily="34" charset="-34"/>
+                <a:cs typeface="TH Sarabun New" panose="020B0500040200020003" pitchFamily="34" charset="-34"/>
+              </a:rPr>
+              <a:t>Windows Application</a:t>
+            </a:r>
+          </a:p>
+        </p:txBody>
+      </p:sp>
+      <p:pic>
+        <p:nvPicPr>
+          <p:cNvPr id="80" name="Picture 108">
+            <a:extLst>
+              <a:ext uri="{FF2B5EF4-FFF2-40B4-BE49-F238E27FC236}">
+                <a16:creationId xmlns:a16="http://schemas.microsoft.com/office/drawing/2014/main" id="{3A25716A-9A18-4305-8D8B-D98971889910}"/>
+              </a:ext>
+            </a:extLst>
+          </p:cNvPr>
+          <p:cNvPicPr>
+            <a:picLocks noChangeAspect="1"/>
+          </p:cNvPicPr>
+          <p:nvPr/>
+        </p:nvPicPr>
+        <p:blipFill rotWithShape="1">
+          <a:blip r:embed="rId14">
+            <a:extLst>
+              <a:ext uri="{28A0092B-C50C-407E-A947-70E740481C1C}">
+                <a14:useLocalDpi xmlns:a14="http://schemas.microsoft.com/office/drawing/2010/main" val="0"/>
+              </a:ext>
+            </a:extLst>
+          </a:blip>
+          <a:srcRect t="11941" b="10391"/>
+          <a:stretch/>
+        </p:blipFill>
+        <p:spPr>
+          <a:xfrm>
+            <a:off x="2531262" y="5743782"/>
+            <a:ext cx="1152335" cy="619237"/>
+          </a:xfrm>
+          <a:prstGeom prst="rect">
+            <a:avLst/>
+          </a:prstGeom>
+        </p:spPr>
+      </p:pic>
+      <p:pic>
+        <p:nvPicPr>
+          <p:cNvPr id="81" name="Picture 114">
+            <a:extLst>
+              <a:ext uri="{FF2B5EF4-FFF2-40B4-BE49-F238E27FC236}">
+                <a16:creationId xmlns:a16="http://schemas.microsoft.com/office/drawing/2014/main" id="{1F3DC15B-216B-4541-AF82-35E5B6B0B43A}"/>
+              </a:ext>
+            </a:extLst>
+          </p:cNvPr>
+          <p:cNvPicPr>
+            <a:picLocks noChangeAspect="1"/>
+          </p:cNvPicPr>
+          <p:nvPr/>
+        </p:nvPicPr>
+        <p:blipFill>
+          <a:blip r:embed="rId15">
+            <a:extLst>
+              <a:ext uri="{28A0092B-C50C-407E-A947-70E740481C1C}">
+                <a14:useLocalDpi xmlns:a14="http://schemas.microsoft.com/office/drawing/2010/main" val="0"/>
+              </a:ext>
+            </a:extLst>
+          </a:blip>
+          <a:stretch>
+            <a:fillRect/>
+          </a:stretch>
+        </p:blipFill>
+        <p:spPr>
+          <a:xfrm>
+            <a:off x="2887243" y="5826783"/>
+            <a:ext cx="446486" cy="330165"/>
+          </a:xfrm>
+          <a:prstGeom prst="rect">
+            <a:avLst/>
+          </a:prstGeom>
+        </p:spPr>
+      </p:pic>
+      <p:sp>
+        <p:nvSpPr>
+          <p:cNvPr id="82" name="กล่องข้อความ 81">
+            <a:extLst>
+              <a:ext uri="{FF2B5EF4-FFF2-40B4-BE49-F238E27FC236}">
+                <a16:creationId xmlns:a16="http://schemas.microsoft.com/office/drawing/2014/main" id="{F4DF70B6-6F98-4EBB-9B96-00E10AAC1C55}"/>
+              </a:ext>
+            </a:extLst>
+          </p:cNvPr>
+          <p:cNvSpPr txBox="1"/>
+          <p:nvPr/>
+        </p:nvSpPr>
+        <p:spPr>
+          <a:xfrm>
+            <a:off x="2251389" y="6363019"/>
+            <a:ext cx="1745189" cy="369332"/>
+          </a:xfrm>
+          <a:prstGeom prst="rect">
+            <a:avLst/>
+          </a:prstGeom>
+          <a:noFill/>
+        </p:spPr>
+        <p:txBody>
+          <a:bodyPr wrap="square">
+            <a:spAutoFit/>
+          </a:bodyPr>
+          <a:lstStyle/>
+          <a:p>
+            <a:pPr algn="ctr"/>
+            <a:r>
+              <a:rPr lang="en-US" sz="1800" b="1" dirty="0">
+                <a:latin typeface="TH Sarabun New" panose="020B0500040200020003" pitchFamily="34" charset="-34"/>
+                <a:cs typeface="TH Sarabun New" panose="020B0500040200020003" pitchFamily="34" charset="-34"/>
+              </a:rPr>
+              <a:t>Windows Application</a:t>
+            </a:r>
+          </a:p>
+        </p:txBody>
+      </p:sp>
+      <p:cxnSp>
+        <p:nvCxnSpPr>
+          <p:cNvPr id="83" name="ลูกศรเชื่อมต่อแบบตรง 82">
+            <a:extLst>
+              <a:ext uri="{FF2B5EF4-FFF2-40B4-BE49-F238E27FC236}">
+                <a16:creationId xmlns:a16="http://schemas.microsoft.com/office/drawing/2014/main" id="{B9E6B680-0F10-4C43-8A9F-1F26E98A4B34}"/>
+              </a:ext>
+            </a:extLst>
+          </p:cNvPr>
+          <p:cNvCxnSpPr>
+            <a:cxnSpLocks/>
+          </p:cNvCxnSpPr>
+          <p:nvPr/>
+        </p:nvCxnSpPr>
+        <p:spPr>
+          <a:xfrm flipH="1" flipV="1">
+            <a:off x="3090843" y="5254327"/>
+            <a:ext cx="2" cy="439559"/>
+          </a:xfrm>
+          <a:prstGeom prst="straightConnector1">
+            <a:avLst/>
+          </a:prstGeom>
+          <a:ln w="12700">
+            <a:solidFill>
+              <a:schemeClr val="tx1"/>
+            </a:solidFill>
+            <a:headEnd type="triangle"/>
+            <a:tailEnd type="triangle"/>
+          </a:ln>
+        </p:spPr>
+        <p:style>
+          <a:lnRef idx="1">
+            <a:schemeClr val="accent1"/>
+          </a:lnRef>
+          <a:fillRef idx="0">
+            <a:schemeClr val="accent1"/>
+          </a:fillRef>
+          <a:effectRef idx="0">
+            <a:schemeClr val="accent1"/>
+          </a:effectRef>
+          <a:fontRef idx="minor">
+            <a:schemeClr val="tx1"/>
+          </a:fontRef>
+        </p:style>
+      </p:cxnSp>
+      <p:cxnSp>
+        <p:nvCxnSpPr>
+          <p:cNvPr id="100" name="ตัวเชื่อมต่อ: หักมุม 99">
+            <a:extLst>
+              <a:ext uri="{FF2B5EF4-FFF2-40B4-BE49-F238E27FC236}">
+                <a16:creationId xmlns:a16="http://schemas.microsoft.com/office/drawing/2014/main" id="{B0746150-C2CB-4FF4-A214-F00F20CB5080}"/>
+              </a:ext>
+            </a:extLst>
+          </p:cNvPr>
+          <p:cNvCxnSpPr>
+            <a:cxnSpLocks/>
+            <a:stCxn id="77" idx="0"/>
+          </p:cNvCxnSpPr>
+          <p:nvPr/>
+        </p:nvCxnSpPr>
+        <p:spPr>
+          <a:xfrm rot="16200000" flipV="1">
+            <a:off x="6560848" y="4730462"/>
+            <a:ext cx="950108" cy="1076531"/>
+          </a:xfrm>
+          <a:prstGeom prst="bentConnector2">
+            <a:avLst/>
+          </a:prstGeom>
+          <a:ln w="12700">
+            <a:solidFill>
+              <a:schemeClr val="tx1"/>
+            </a:solidFill>
+            <a:headEnd type="triangle"/>
+            <a:tailEnd type="triangle"/>
+          </a:ln>
+        </p:spPr>
+        <p:style>
+          <a:lnRef idx="1">
+            <a:schemeClr val="accent1"/>
+          </a:lnRef>
+          <a:fillRef idx="0">
+            <a:schemeClr val="accent1"/>
+          </a:fillRef>
+          <a:effectRef idx="0">
+            <a:schemeClr val="accent1"/>
+          </a:effectRef>
+          <a:fontRef idx="minor">
+            <a:schemeClr val="tx1"/>
+          </a:fontRef>
+        </p:style>
+      </p:cxnSp>
+    </p:spTree>
+    <p:extLst>
+      <p:ext uri="{BB962C8B-B14F-4D97-AF65-F5344CB8AC3E}">
+        <p14:creationId xmlns:p14="http://schemas.microsoft.com/office/powerpoint/2010/main" val="941186146"/>
+      </p:ext>
+    </p:extLst>
+  </p:cSld>
+  <p:clrMapOvr>
+    <a:masterClrMapping/>
+  </p:clrMapOvr>
+</p:sld>
+</file>
+
 <file path=ppt/theme/theme1.xml><?xml version="1.0" encoding="utf-8"?>
 <a:theme xmlns:a="http://schemas.openxmlformats.org/drawingml/2006/main" name="Office Theme">
   <a:themeElements>

--- a/Documents/SystemDiagram.pptx
+++ b/Documents/SystemDiagram.pptx
@@ -260,7 +260,7 @@
           <a:p>
             <a:fld id="{AA60C478-6A22-4027-850B-07F0CA9E255D}" type="datetimeFigureOut">
               <a:rPr lang="en-US" smtClean="0"/>
-              <a:t>2/20/2021</a:t>
+              <a:t>3/1/2021</a:t>
             </a:fld>
             <a:endParaRPr lang="en-US"/>
           </a:p>
@@ -458,7 +458,7 @@
           <a:p>
             <a:fld id="{AA60C478-6A22-4027-850B-07F0CA9E255D}" type="datetimeFigureOut">
               <a:rPr lang="en-US" smtClean="0"/>
-              <a:t>2/20/2021</a:t>
+              <a:t>3/1/2021</a:t>
             </a:fld>
             <a:endParaRPr lang="en-US"/>
           </a:p>
@@ -666,7 +666,7 @@
           <a:p>
             <a:fld id="{AA60C478-6A22-4027-850B-07F0CA9E255D}" type="datetimeFigureOut">
               <a:rPr lang="en-US" smtClean="0"/>
-              <a:t>2/20/2021</a:t>
+              <a:t>3/1/2021</a:t>
             </a:fld>
             <a:endParaRPr lang="en-US"/>
           </a:p>
@@ -864,7 +864,7 @@
           <a:p>
             <a:fld id="{AA60C478-6A22-4027-850B-07F0CA9E255D}" type="datetimeFigureOut">
               <a:rPr lang="en-US" smtClean="0"/>
-              <a:t>2/20/2021</a:t>
+              <a:t>3/1/2021</a:t>
             </a:fld>
             <a:endParaRPr lang="en-US"/>
           </a:p>
@@ -1139,7 +1139,7 @@
           <a:p>
             <a:fld id="{AA60C478-6A22-4027-850B-07F0CA9E255D}" type="datetimeFigureOut">
               <a:rPr lang="en-US" smtClean="0"/>
-              <a:t>2/20/2021</a:t>
+              <a:t>3/1/2021</a:t>
             </a:fld>
             <a:endParaRPr lang="en-US"/>
           </a:p>
@@ -1404,7 +1404,7 @@
           <a:p>
             <a:fld id="{AA60C478-6A22-4027-850B-07F0CA9E255D}" type="datetimeFigureOut">
               <a:rPr lang="en-US" smtClean="0"/>
-              <a:t>2/20/2021</a:t>
+              <a:t>3/1/2021</a:t>
             </a:fld>
             <a:endParaRPr lang="en-US"/>
           </a:p>
@@ -1816,7 +1816,7 @@
           <a:p>
             <a:fld id="{AA60C478-6A22-4027-850B-07F0CA9E255D}" type="datetimeFigureOut">
               <a:rPr lang="en-US" smtClean="0"/>
-              <a:t>2/20/2021</a:t>
+              <a:t>3/1/2021</a:t>
             </a:fld>
             <a:endParaRPr lang="en-US"/>
           </a:p>
@@ -1957,7 +1957,7 @@
           <a:p>
             <a:fld id="{AA60C478-6A22-4027-850B-07F0CA9E255D}" type="datetimeFigureOut">
               <a:rPr lang="en-US" smtClean="0"/>
-              <a:t>2/20/2021</a:t>
+              <a:t>3/1/2021</a:t>
             </a:fld>
             <a:endParaRPr lang="en-US"/>
           </a:p>
@@ -2070,7 +2070,7 @@
           <a:p>
             <a:fld id="{AA60C478-6A22-4027-850B-07F0CA9E255D}" type="datetimeFigureOut">
               <a:rPr lang="en-US" smtClean="0"/>
-              <a:t>2/20/2021</a:t>
+              <a:t>3/1/2021</a:t>
             </a:fld>
             <a:endParaRPr lang="en-US"/>
           </a:p>
@@ -2381,7 +2381,7 @@
           <a:p>
             <a:fld id="{AA60C478-6A22-4027-850B-07F0CA9E255D}" type="datetimeFigureOut">
               <a:rPr lang="en-US" smtClean="0"/>
-              <a:t>2/20/2021</a:t>
+              <a:t>3/1/2021</a:t>
             </a:fld>
             <a:endParaRPr lang="en-US"/>
           </a:p>
@@ -2669,7 +2669,7 @@
           <a:p>
             <a:fld id="{AA60C478-6A22-4027-850B-07F0CA9E255D}" type="datetimeFigureOut">
               <a:rPr lang="en-US" smtClean="0"/>
-              <a:t>2/20/2021</a:t>
+              <a:t>3/1/2021</a:t>
             </a:fld>
             <a:endParaRPr lang="en-US"/>
           </a:p>
@@ -2910,7 +2910,7 @@
           <a:p>
             <a:fld id="{AA60C478-6A22-4027-850B-07F0CA9E255D}" type="datetimeFigureOut">
               <a:rPr lang="en-US" smtClean="0"/>
-              <a:t>2/20/2021</a:t>
+              <a:t>3/1/2021</a:t>
             </a:fld>
             <a:endParaRPr lang="en-US"/>
           </a:p>
@@ -7424,7 +7424,7 @@
             <a:solidFill>
               <a:schemeClr val="tx1"/>
             </a:solidFill>
-            <a:headEnd type="triangle"/>
+            <a:headEnd type="none"/>
             <a:tailEnd type="none"/>
           </a:ln>
         </p:spPr>
@@ -7691,13 +7691,14 @@
           </p:cNvPr>
           <p:cNvCxnSpPr>
             <a:cxnSpLocks/>
+            <a:stCxn id="42" idx="2"/>
           </p:cNvCxnSpPr>
           <p:nvPr/>
         </p:nvCxnSpPr>
         <p:spPr>
-          <a:xfrm flipH="1">
-            <a:off x="9628466" y="5224331"/>
-            <a:ext cx="1" cy="356159"/>
+          <a:xfrm>
+            <a:off x="9628468" y="5047930"/>
+            <a:ext cx="0" cy="532560"/>
           </a:xfrm>
           <a:prstGeom prst="line">
             <a:avLst/>
@@ -7706,7 +7707,7 @@
             <a:solidFill>
               <a:schemeClr val="tx1"/>
             </a:solidFill>
-            <a:headEnd type="triangle"/>
+            <a:headEnd type="none"/>
             <a:tailEnd type="none"/>
           </a:ln>
         </p:spPr>

--- a/Documents/SystemDiagram.pptx
+++ b/Documents/SystemDiagram.pptx
@@ -7,6 +7,7 @@
   <p:sldIdLst>
     <p:sldId id="256" r:id="rId2"/>
     <p:sldId id="257" r:id="rId3"/>
+    <p:sldId id="258" r:id="rId4"/>
   </p:sldIdLst>
   <p:sldSz cx="12192000" cy="6858000"/>
   <p:notesSz cx="6858000" cy="9144000"/>
@@ -260,7 +261,7 @@
           <a:p>
             <a:fld id="{AA60C478-6A22-4027-850B-07F0CA9E255D}" type="datetimeFigureOut">
               <a:rPr lang="en-US" smtClean="0"/>
-              <a:t>3/1/2021</a:t>
+              <a:t>3/4/2021</a:t>
             </a:fld>
             <a:endParaRPr lang="en-US"/>
           </a:p>
@@ -458,7 +459,7 @@
           <a:p>
             <a:fld id="{AA60C478-6A22-4027-850B-07F0CA9E255D}" type="datetimeFigureOut">
               <a:rPr lang="en-US" smtClean="0"/>
-              <a:t>3/1/2021</a:t>
+              <a:t>3/4/2021</a:t>
             </a:fld>
             <a:endParaRPr lang="en-US"/>
           </a:p>
@@ -666,7 +667,7 @@
           <a:p>
             <a:fld id="{AA60C478-6A22-4027-850B-07F0CA9E255D}" type="datetimeFigureOut">
               <a:rPr lang="en-US" smtClean="0"/>
-              <a:t>3/1/2021</a:t>
+              <a:t>3/4/2021</a:t>
             </a:fld>
             <a:endParaRPr lang="en-US"/>
           </a:p>
@@ -864,7 +865,7 @@
           <a:p>
             <a:fld id="{AA60C478-6A22-4027-850B-07F0CA9E255D}" type="datetimeFigureOut">
               <a:rPr lang="en-US" smtClean="0"/>
-              <a:t>3/1/2021</a:t>
+              <a:t>3/4/2021</a:t>
             </a:fld>
             <a:endParaRPr lang="en-US"/>
           </a:p>
@@ -1139,7 +1140,7 @@
           <a:p>
             <a:fld id="{AA60C478-6A22-4027-850B-07F0CA9E255D}" type="datetimeFigureOut">
               <a:rPr lang="en-US" smtClean="0"/>
-              <a:t>3/1/2021</a:t>
+              <a:t>3/4/2021</a:t>
             </a:fld>
             <a:endParaRPr lang="en-US"/>
           </a:p>
@@ -1404,7 +1405,7 @@
           <a:p>
             <a:fld id="{AA60C478-6A22-4027-850B-07F0CA9E255D}" type="datetimeFigureOut">
               <a:rPr lang="en-US" smtClean="0"/>
-              <a:t>3/1/2021</a:t>
+              <a:t>3/4/2021</a:t>
             </a:fld>
             <a:endParaRPr lang="en-US"/>
           </a:p>
@@ -1816,7 +1817,7 @@
           <a:p>
             <a:fld id="{AA60C478-6A22-4027-850B-07F0CA9E255D}" type="datetimeFigureOut">
               <a:rPr lang="en-US" smtClean="0"/>
-              <a:t>3/1/2021</a:t>
+              <a:t>3/4/2021</a:t>
             </a:fld>
             <a:endParaRPr lang="en-US"/>
           </a:p>
@@ -1957,7 +1958,7 @@
           <a:p>
             <a:fld id="{AA60C478-6A22-4027-850B-07F0CA9E255D}" type="datetimeFigureOut">
               <a:rPr lang="en-US" smtClean="0"/>
-              <a:t>3/1/2021</a:t>
+              <a:t>3/4/2021</a:t>
             </a:fld>
             <a:endParaRPr lang="en-US"/>
           </a:p>
@@ -2070,7 +2071,7 @@
           <a:p>
             <a:fld id="{AA60C478-6A22-4027-850B-07F0CA9E255D}" type="datetimeFigureOut">
               <a:rPr lang="en-US" smtClean="0"/>
-              <a:t>3/1/2021</a:t>
+              <a:t>3/4/2021</a:t>
             </a:fld>
             <a:endParaRPr lang="en-US"/>
           </a:p>
@@ -2381,7 +2382,7 @@
           <a:p>
             <a:fld id="{AA60C478-6A22-4027-850B-07F0CA9E255D}" type="datetimeFigureOut">
               <a:rPr lang="en-US" smtClean="0"/>
-              <a:t>3/1/2021</a:t>
+              <a:t>3/4/2021</a:t>
             </a:fld>
             <a:endParaRPr lang="en-US"/>
           </a:p>
@@ -2669,7 +2670,7 @@
           <a:p>
             <a:fld id="{AA60C478-6A22-4027-850B-07F0CA9E255D}" type="datetimeFigureOut">
               <a:rPr lang="en-US" smtClean="0"/>
-              <a:t>3/1/2021</a:t>
+              <a:t>3/4/2021</a:t>
             </a:fld>
             <a:endParaRPr lang="en-US"/>
           </a:p>
@@ -2910,7 +2911,7 @@
           <a:p>
             <a:fld id="{AA60C478-6A22-4027-850B-07F0CA9E255D}" type="datetimeFigureOut">
               <a:rPr lang="en-US" smtClean="0"/>
-              <a:t>3/1/2021</a:t>
+              <a:t>3/4/2021</a:t>
             </a:fld>
             <a:endParaRPr lang="en-US"/>
           </a:p>
@@ -8691,6 +8692,36 @@
 </p:sld>
 </file>
 
+<file path=ppt/slides/slide3.xml><?xml version="1.0" encoding="utf-8"?>
+<p:sld xmlns:a="http://schemas.openxmlformats.org/drawingml/2006/main" xmlns:r="http://schemas.openxmlformats.org/officeDocument/2006/relationships" xmlns:p="http://schemas.openxmlformats.org/presentationml/2006/main">
+  <p:cSld>
+    <p:spTree>
+      <p:nvGrpSpPr>
+        <p:cNvPr id="1" name=""/>
+        <p:cNvGrpSpPr/>
+        <p:nvPr/>
+      </p:nvGrpSpPr>
+      <p:grpSpPr>
+        <a:xfrm>
+          <a:off x="0" y="0"/>
+          <a:ext cx="0" cy="0"/>
+          <a:chOff x="0" y="0"/>
+          <a:chExt cx="0" cy="0"/>
+        </a:xfrm>
+      </p:grpSpPr>
+    </p:spTree>
+    <p:extLst>
+      <p:ext uri="{BB962C8B-B14F-4D97-AF65-F5344CB8AC3E}">
+        <p14:creationId xmlns:p14="http://schemas.microsoft.com/office/powerpoint/2010/main" val="3239731427"/>
+      </p:ext>
+    </p:extLst>
+  </p:cSld>
+  <p:clrMapOvr>
+    <a:masterClrMapping/>
+  </p:clrMapOvr>
+</p:sld>
+</file>
+
 <file path=ppt/theme/theme1.xml><?xml version="1.0" encoding="utf-8"?>
 <a:theme xmlns:a="http://schemas.openxmlformats.org/drawingml/2006/main" name="Office Theme">
   <a:themeElements>

--- a/Documents/SystemDiagram.pptx
+++ b/Documents/SystemDiagram.pptx
@@ -261,7 +261,7 @@
           <a:p>
             <a:fld id="{AA60C478-6A22-4027-850B-07F0CA9E255D}" type="datetimeFigureOut">
               <a:rPr lang="en-US" smtClean="0"/>
-              <a:t>3/4/2021</a:t>
+              <a:t>3/7/2021</a:t>
             </a:fld>
             <a:endParaRPr lang="en-US"/>
           </a:p>
@@ -459,7 +459,7 @@
           <a:p>
             <a:fld id="{AA60C478-6A22-4027-850B-07F0CA9E255D}" type="datetimeFigureOut">
               <a:rPr lang="en-US" smtClean="0"/>
-              <a:t>3/4/2021</a:t>
+              <a:t>3/7/2021</a:t>
             </a:fld>
             <a:endParaRPr lang="en-US"/>
           </a:p>
@@ -667,7 +667,7 @@
           <a:p>
             <a:fld id="{AA60C478-6A22-4027-850B-07F0CA9E255D}" type="datetimeFigureOut">
               <a:rPr lang="en-US" smtClean="0"/>
-              <a:t>3/4/2021</a:t>
+              <a:t>3/7/2021</a:t>
             </a:fld>
             <a:endParaRPr lang="en-US"/>
           </a:p>
@@ -865,7 +865,7 @@
           <a:p>
             <a:fld id="{AA60C478-6A22-4027-850B-07F0CA9E255D}" type="datetimeFigureOut">
               <a:rPr lang="en-US" smtClean="0"/>
-              <a:t>3/4/2021</a:t>
+              <a:t>3/7/2021</a:t>
             </a:fld>
             <a:endParaRPr lang="en-US"/>
           </a:p>
@@ -1140,7 +1140,7 @@
           <a:p>
             <a:fld id="{AA60C478-6A22-4027-850B-07F0CA9E255D}" type="datetimeFigureOut">
               <a:rPr lang="en-US" smtClean="0"/>
-              <a:t>3/4/2021</a:t>
+              <a:t>3/7/2021</a:t>
             </a:fld>
             <a:endParaRPr lang="en-US"/>
           </a:p>
@@ -1405,7 +1405,7 @@
           <a:p>
             <a:fld id="{AA60C478-6A22-4027-850B-07F0CA9E255D}" type="datetimeFigureOut">
               <a:rPr lang="en-US" smtClean="0"/>
-              <a:t>3/4/2021</a:t>
+              <a:t>3/7/2021</a:t>
             </a:fld>
             <a:endParaRPr lang="en-US"/>
           </a:p>
@@ -1817,7 +1817,7 @@
           <a:p>
             <a:fld id="{AA60C478-6A22-4027-850B-07F0CA9E255D}" type="datetimeFigureOut">
               <a:rPr lang="en-US" smtClean="0"/>
-              <a:t>3/4/2021</a:t>
+              <a:t>3/7/2021</a:t>
             </a:fld>
             <a:endParaRPr lang="en-US"/>
           </a:p>
@@ -1958,7 +1958,7 @@
           <a:p>
             <a:fld id="{AA60C478-6A22-4027-850B-07F0CA9E255D}" type="datetimeFigureOut">
               <a:rPr lang="en-US" smtClean="0"/>
-              <a:t>3/4/2021</a:t>
+              <a:t>3/7/2021</a:t>
             </a:fld>
             <a:endParaRPr lang="en-US"/>
           </a:p>
@@ -2071,7 +2071,7 @@
           <a:p>
             <a:fld id="{AA60C478-6A22-4027-850B-07F0CA9E255D}" type="datetimeFigureOut">
               <a:rPr lang="en-US" smtClean="0"/>
-              <a:t>3/4/2021</a:t>
+              <a:t>3/7/2021</a:t>
             </a:fld>
             <a:endParaRPr lang="en-US"/>
           </a:p>
@@ -2382,7 +2382,7 @@
           <a:p>
             <a:fld id="{AA60C478-6A22-4027-850B-07F0CA9E255D}" type="datetimeFigureOut">
               <a:rPr lang="en-US" smtClean="0"/>
-              <a:t>3/4/2021</a:t>
+              <a:t>3/7/2021</a:t>
             </a:fld>
             <a:endParaRPr lang="en-US"/>
           </a:p>
@@ -2670,7 +2670,7 @@
           <a:p>
             <a:fld id="{AA60C478-6A22-4027-850B-07F0CA9E255D}" type="datetimeFigureOut">
               <a:rPr lang="en-US" smtClean="0"/>
-              <a:t>3/4/2021</a:t>
+              <a:t>3/7/2021</a:t>
             </a:fld>
             <a:endParaRPr lang="en-US"/>
           </a:p>
@@ -2911,7 +2911,7 @@
           <a:p>
             <a:fld id="{AA60C478-6A22-4027-850B-07F0CA9E255D}" type="datetimeFigureOut">
               <a:rPr lang="en-US" smtClean="0"/>
-              <a:t>3/4/2021</a:t>
+              <a:t>3/7/2021</a:t>
             </a:fld>
             <a:endParaRPr lang="en-US"/>
           </a:p>
@@ -3328,50 +3328,6 @@
           <a:chExt cx="0" cy="0"/>
         </a:xfrm>
       </p:grpSpPr>
-      <p:sp>
-        <p:nvSpPr>
-          <p:cNvPr id="124" name="Rectangle 123">
-            <a:extLst>
-              <a:ext uri="{FF2B5EF4-FFF2-40B4-BE49-F238E27FC236}">
-                <a16:creationId xmlns:a16="http://schemas.microsoft.com/office/drawing/2014/main" id="{89F6EB95-37FF-4E06-A3BD-320B5A11666D}"/>
-              </a:ext>
-            </a:extLst>
-          </p:cNvPr>
-          <p:cNvSpPr/>
-          <p:nvPr/>
-        </p:nvSpPr>
-        <p:spPr>
-          <a:xfrm>
-            <a:off x="628190" y="2663641"/>
-            <a:ext cx="4195270" cy="3549941"/>
-          </a:xfrm>
-          <a:prstGeom prst="rect">
-            <a:avLst/>
-          </a:prstGeom>
-        </p:spPr>
-        <p:style>
-          <a:lnRef idx="2">
-            <a:schemeClr val="dk1"/>
-          </a:lnRef>
-          <a:fillRef idx="1">
-            <a:schemeClr val="lt1"/>
-          </a:fillRef>
-          <a:effectRef idx="0">
-            <a:schemeClr val="dk1"/>
-          </a:effectRef>
-          <a:fontRef idx="minor">
-            <a:schemeClr val="dk1"/>
-          </a:fontRef>
-        </p:style>
-        <p:txBody>
-          <a:bodyPr rtlCol="0" anchor="ctr"/>
-          <a:lstStyle/>
-          <a:p>
-            <a:pPr algn="ctr"/>
-            <a:endParaRPr lang="en-US" dirty="0"/>
-          </a:p>
-        </p:txBody>
-      </p:sp>
       <p:pic>
         <p:nvPicPr>
           <p:cNvPr id="5" name="Picture 4">
@@ -6852,9 +6808,10 @@
           <a:lstStyle/>
           <a:p>
             <a:r>
-              <a:rPr lang="en-US" sz="1000" dirty="0"/>
+              <a:rPr lang="en-US" sz="1000"/>
               <a:t>LED x 112</a:t>
             </a:r>
+            <a:endParaRPr lang="en-US" sz="1000" dirty="0"/>
           </a:p>
         </p:txBody>
       </p:sp>
